--- a/Class Slides 2024/Class 6.pptx
+++ b/Class Slides 2024/Class 6.pptx
@@ -4,6 +4,9 @@
   <p:sldMasterIdLst>
     <p:sldMasterId id="2147483648" r:id="rId1"/>
   </p:sldMasterIdLst>
+  <p:notesMasterIdLst>
+    <p:notesMasterId r:id="rId12"/>
+  </p:notesMasterIdLst>
   <p:sldIdLst>
     <p:sldId id="256" r:id="rId2"/>
     <p:sldId id="257" r:id="rId3"/>
@@ -121,6 +124,355 @@
 </p:presentation>
 </file>
 
+<file path=ppt/notesMasters/notesMaster1.xml><?xml version="1.0" encoding="utf-8"?>
+<p:notesMaster xmlns:a="http://schemas.openxmlformats.org/drawingml/2006/main" xmlns:r="http://schemas.openxmlformats.org/officeDocument/2006/relationships" xmlns:p="http://schemas.openxmlformats.org/presentationml/2006/main">
+  <p:cSld>
+    <p:bg>
+      <p:bgRef idx="1001">
+        <a:schemeClr val="bg1"/>
+      </p:bgRef>
+    </p:bg>
+    <p:spTree>
+      <p:nvGrpSpPr>
+        <p:cNvPr id="1" name=""/>
+        <p:cNvGrpSpPr/>
+        <p:nvPr/>
+      </p:nvGrpSpPr>
+      <p:grpSpPr>
+        <a:xfrm>
+          <a:off x="0" y="0"/>
+          <a:ext cx="0" cy="0"/>
+          <a:chOff x="0" y="0"/>
+          <a:chExt cx="0" cy="0"/>
+        </a:xfrm>
+      </p:grpSpPr>
+      <p:sp>
+        <p:nvSpPr>
+          <p:cNvPr id="2" name="Header Placeholder 1"/>
+          <p:cNvSpPr>
+            <a:spLocks noGrp="1"/>
+          </p:cNvSpPr>
+          <p:nvPr>
+            <p:ph type="hdr" sz="quarter"/>
+          </p:nvPr>
+        </p:nvSpPr>
+        <p:spPr>
+          <a:xfrm>
+            <a:off x="0" y="0"/>
+            <a:ext cx="2971800" cy="458788"/>
+          </a:xfrm>
+          <a:prstGeom prst="rect">
+            <a:avLst/>
+          </a:prstGeom>
+        </p:spPr>
+        <p:txBody>
+          <a:bodyPr vert="horz" lIns="91440" tIns="45720" rIns="91440" bIns="45720" rtlCol="0"/>
+          <a:lstStyle>
+            <a:lvl1pPr algn="l">
+              <a:defRPr sz="1200"/>
+            </a:lvl1pPr>
+          </a:lstStyle>
+          <a:p>
+            <a:endParaRPr lang="en-US"/>
+          </a:p>
+        </p:txBody>
+      </p:sp>
+      <p:sp>
+        <p:nvSpPr>
+          <p:cNvPr id="3" name="Date Placeholder 2"/>
+          <p:cNvSpPr>
+            <a:spLocks noGrp="1"/>
+          </p:cNvSpPr>
+          <p:nvPr>
+            <p:ph type="dt" idx="1"/>
+          </p:nvPr>
+        </p:nvSpPr>
+        <p:spPr>
+          <a:xfrm>
+            <a:off x="3884613" y="0"/>
+            <a:ext cx="2971800" cy="458788"/>
+          </a:xfrm>
+          <a:prstGeom prst="rect">
+            <a:avLst/>
+          </a:prstGeom>
+        </p:spPr>
+        <p:txBody>
+          <a:bodyPr vert="horz" lIns="91440" tIns="45720" rIns="91440" bIns="45720" rtlCol="0"/>
+          <a:lstStyle>
+            <a:lvl1pPr algn="r">
+              <a:defRPr sz="1200"/>
+            </a:lvl1pPr>
+          </a:lstStyle>
+          <a:p>
+            <a:fld id="{6E0855E8-6030-425E-AD5A-E8A6F1633C7C}" type="datetimeFigureOut">
+              <a:rPr lang="en-US" smtClean="0"/>
+              <a:t>1/11/2024</a:t>
+            </a:fld>
+            <a:endParaRPr lang="en-US"/>
+          </a:p>
+        </p:txBody>
+      </p:sp>
+      <p:sp>
+        <p:nvSpPr>
+          <p:cNvPr id="4" name="Slide Image Placeholder 3"/>
+          <p:cNvSpPr>
+            <a:spLocks noGrp="1" noRot="1" noChangeAspect="1"/>
+          </p:cNvSpPr>
+          <p:nvPr>
+            <p:ph type="sldImg" idx="2"/>
+          </p:nvPr>
+        </p:nvSpPr>
+        <p:spPr>
+          <a:xfrm>
+            <a:off x="685800" y="1143000"/>
+            <a:ext cx="5486400" cy="3086100"/>
+          </a:xfrm>
+          <a:prstGeom prst="rect">
+            <a:avLst/>
+          </a:prstGeom>
+          <a:noFill/>
+          <a:ln w="12700">
+            <a:solidFill>
+              <a:prstClr val="black"/>
+            </a:solidFill>
+          </a:ln>
+        </p:spPr>
+        <p:txBody>
+          <a:bodyPr vert="horz" lIns="91440" tIns="45720" rIns="91440" bIns="45720" rtlCol="0" anchor="ctr"/>
+          <a:lstStyle/>
+          <a:p>
+            <a:endParaRPr lang="en-US"/>
+          </a:p>
+        </p:txBody>
+      </p:sp>
+      <p:sp>
+        <p:nvSpPr>
+          <p:cNvPr id="5" name="Notes Placeholder 4"/>
+          <p:cNvSpPr>
+            <a:spLocks noGrp="1"/>
+          </p:cNvSpPr>
+          <p:nvPr>
+            <p:ph type="body" sz="quarter" idx="3"/>
+          </p:nvPr>
+        </p:nvSpPr>
+        <p:spPr>
+          <a:xfrm>
+            <a:off x="685800" y="4400550"/>
+            <a:ext cx="5486400" cy="3600450"/>
+          </a:xfrm>
+          <a:prstGeom prst="rect">
+            <a:avLst/>
+          </a:prstGeom>
+        </p:spPr>
+        <p:txBody>
+          <a:bodyPr vert="horz" lIns="91440" tIns="45720" rIns="91440" bIns="45720" rtlCol="0"/>
+          <a:lstStyle/>
+          <a:p>
+            <a:pPr lvl="0"/>
+            <a:r>
+              <a:rPr lang="en-US"/>
+              <a:t>Click to edit Master text styles</a:t>
+            </a:r>
+          </a:p>
+          <a:p>
+            <a:pPr lvl="1"/>
+            <a:r>
+              <a:rPr lang="en-US"/>
+              <a:t>Second level</a:t>
+            </a:r>
+          </a:p>
+          <a:p>
+            <a:pPr lvl="2"/>
+            <a:r>
+              <a:rPr lang="en-US"/>
+              <a:t>Third level</a:t>
+            </a:r>
+          </a:p>
+          <a:p>
+            <a:pPr lvl="3"/>
+            <a:r>
+              <a:rPr lang="en-US"/>
+              <a:t>Fourth level</a:t>
+            </a:r>
+          </a:p>
+          <a:p>
+            <a:pPr lvl="4"/>
+            <a:r>
+              <a:rPr lang="en-US"/>
+              <a:t>Fifth level</a:t>
+            </a:r>
+          </a:p>
+        </p:txBody>
+      </p:sp>
+      <p:sp>
+        <p:nvSpPr>
+          <p:cNvPr id="6" name="Footer Placeholder 5"/>
+          <p:cNvSpPr>
+            <a:spLocks noGrp="1"/>
+          </p:cNvSpPr>
+          <p:nvPr>
+            <p:ph type="ftr" sz="quarter" idx="4"/>
+          </p:nvPr>
+        </p:nvSpPr>
+        <p:spPr>
+          <a:xfrm>
+            <a:off x="0" y="8685213"/>
+            <a:ext cx="2971800" cy="458787"/>
+          </a:xfrm>
+          <a:prstGeom prst="rect">
+            <a:avLst/>
+          </a:prstGeom>
+        </p:spPr>
+        <p:txBody>
+          <a:bodyPr vert="horz" lIns="91440" tIns="45720" rIns="91440" bIns="45720" rtlCol="0" anchor="b"/>
+          <a:lstStyle>
+            <a:lvl1pPr algn="l">
+              <a:defRPr sz="1200"/>
+            </a:lvl1pPr>
+          </a:lstStyle>
+          <a:p>
+            <a:endParaRPr lang="en-US"/>
+          </a:p>
+        </p:txBody>
+      </p:sp>
+      <p:sp>
+        <p:nvSpPr>
+          <p:cNvPr id="7" name="Slide Number Placeholder 6"/>
+          <p:cNvSpPr>
+            <a:spLocks noGrp="1"/>
+          </p:cNvSpPr>
+          <p:nvPr>
+            <p:ph type="sldNum" sz="quarter" idx="5"/>
+          </p:nvPr>
+        </p:nvSpPr>
+        <p:spPr>
+          <a:xfrm>
+            <a:off x="3884613" y="8685213"/>
+            <a:ext cx="2971800" cy="458787"/>
+          </a:xfrm>
+          <a:prstGeom prst="rect">
+            <a:avLst/>
+          </a:prstGeom>
+        </p:spPr>
+        <p:txBody>
+          <a:bodyPr vert="horz" lIns="91440" tIns="45720" rIns="91440" bIns="45720" rtlCol="0" anchor="b"/>
+          <a:lstStyle>
+            <a:lvl1pPr algn="r">
+              <a:defRPr sz="1200"/>
+            </a:lvl1pPr>
+          </a:lstStyle>
+          <a:p>
+            <a:fld id="{1B879628-1E62-4151-8430-F9F62909BDD7}" type="slidenum">
+              <a:rPr lang="en-US" smtClean="0"/>
+              <a:t>‹#›</a:t>
+            </a:fld>
+            <a:endParaRPr lang="en-US"/>
+          </a:p>
+        </p:txBody>
+      </p:sp>
+    </p:spTree>
+    <p:extLst>
+      <p:ext uri="{BB962C8B-B14F-4D97-AF65-F5344CB8AC3E}">
+        <p14:creationId xmlns:p14="http://schemas.microsoft.com/office/powerpoint/2010/main" val="1805427540"/>
+      </p:ext>
+    </p:extLst>
+  </p:cSld>
+  <p:clrMap bg1="lt1" tx1="dk1" bg2="lt2" tx2="dk2" accent1="accent1" accent2="accent2" accent3="accent3" accent4="accent4" accent5="accent5" accent6="accent6" hlink="hlink" folHlink="folHlink"/>
+  <p:notesStyle>
+    <a:lvl1pPr marL="0" algn="l" defTabSz="914400" rtl="0" eaLnBrk="1" latinLnBrk="0" hangingPunct="1">
+      <a:defRPr sz="1200" kern="1200">
+        <a:solidFill>
+          <a:schemeClr val="tx1"/>
+        </a:solidFill>
+        <a:latin typeface="+mn-lt"/>
+        <a:ea typeface="+mn-ea"/>
+        <a:cs typeface="+mn-cs"/>
+      </a:defRPr>
+    </a:lvl1pPr>
+    <a:lvl2pPr marL="457200" algn="l" defTabSz="914400" rtl="0" eaLnBrk="1" latinLnBrk="0" hangingPunct="1">
+      <a:defRPr sz="1200" kern="1200">
+        <a:solidFill>
+          <a:schemeClr val="tx1"/>
+        </a:solidFill>
+        <a:latin typeface="+mn-lt"/>
+        <a:ea typeface="+mn-ea"/>
+        <a:cs typeface="+mn-cs"/>
+      </a:defRPr>
+    </a:lvl2pPr>
+    <a:lvl3pPr marL="914400" algn="l" defTabSz="914400" rtl="0" eaLnBrk="1" latinLnBrk="0" hangingPunct="1">
+      <a:defRPr sz="1200" kern="1200">
+        <a:solidFill>
+          <a:schemeClr val="tx1"/>
+        </a:solidFill>
+        <a:latin typeface="+mn-lt"/>
+        <a:ea typeface="+mn-ea"/>
+        <a:cs typeface="+mn-cs"/>
+      </a:defRPr>
+    </a:lvl3pPr>
+    <a:lvl4pPr marL="1371600" algn="l" defTabSz="914400" rtl="0" eaLnBrk="1" latinLnBrk="0" hangingPunct="1">
+      <a:defRPr sz="1200" kern="1200">
+        <a:solidFill>
+          <a:schemeClr val="tx1"/>
+        </a:solidFill>
+        <a:latin typeface="+mn-lt"/>
+        <a:ea typeface="+mn-ea"/>
+        <a:cs typeface="+mn-cs"/>
+      </a:defRPr>
+    </a:lvl4pPr>
+    <a:lvl5pPr marL="1828800" algn="l" defTabSz="914400" rtl="0" eaLnBrk="1" latinLnBrk="0" hangingPunct="1">
+      <a:defRPr sz="1200" kern="1200">
+        <a:solidFill>
+          <a:schemeClr val="tx1"/>
+        </a:solidFill>
+        <a:latin typeface="+mn-lt"/>
+        <a:ea typeface="+mn-ea"/>
+        <a:cs typeface="+mn-cs"/>
+      </a:defRPr>
+    </a:lvl5pPr>
+    <a:lvl6pPr marL="2286000" algn="l" defTabSz="914400" rtl="0" eaLnBrk="1" latinLnBrk="0" hangingPunct="1">
+      <a:defRPr sz="1200" kern="1200">
+        <a:solidFill>
+          <a:schemeClr val="tx1"/>
+        </a:solidFill>
+        <a:latin typeface="+mn-lt"/>
+        <a:ea typeface="+mn-ea"/>
+        <a:cs typeface="+mn-cs"/>
+      </a:defRPr>
+    </a:lvl6pPr>
+    <a:lvl7pPr marL="2743200" algn="l" defTabSz="914400" rtl="0" eaLnBrk="1" latinLnBrk="0" hangingPunct="1">
+      <a:defRPr sz="1200" kern="1200">
+        <a:solidFill>
+          <a:schemeClr val="tx1"/>
+        </a:solidFill>
+        <a:latin typeface="+mn-lt"/>
+        <a:ea typeface="+mn-ea"/>
+        <a:cs typeface="+mn-cs"/>
+      </a:defRPr>
+    </a:lvl7pPr>
+    <a:lvl8pPr marL="3200400" algn="l" defTabSz="914400" rtl="0" eaLnBrk="1" latinLnBrk="0" hangingPunct="1">
+      <a:defRPr sz="1200" kern="1200">
+        <a:solidFill>
+          <a:schemeClr val="tx1"/>
+        </a:solidFill>
+        <a:latin typeface="+mn-lt"/>
+        <a:ea typeface="+mn-ea"/>
+        <a:cs typeface="+mn-cs"/>
+      </a:defRPr>
+    </a:lvl8pPr>
+    <a:lvl9pPr marL="3657600" algn="l" defTabSz="914400" rtl="0" eaLnBrk="1" latinLnBrk="0" hangingPunct="1">
+      <a:defRPr sz="1200" kern="1200">
+        <a:solidFill>
+          <a:schemeClr val="tx1"/>
+        </a:solidFill>
+        <a:latin typeface="+mn-lt"/>
+        <a:ea typeface="+mn-ea"/>
+        <a:cs typeface="+mn-cs"/>
+      </a:defRPr>
+    </a:lvl9pPr>
+  </p:notesStyle>
+</p:notesMaster>
+</file>
+
 <file path=ppt/slideLayouts/slideLayout1.xml><?xml version="1.0" encoding="utf-8"?>
 <p:sldLayout xmlns:a="http://schemas.openxmlformats.org/drawingml/2006/main" xmlns:r="http://schemas.openxmlformats.org/officeDocument/2006/relationships" xmlns:p="http://schemas.openxmlformats.org/presentationml/2006/main" type="title" preserve="1">
   <p:cSld name="Title Slide">
@@ -268,7 +620,7 @@
           <a:p>
             <a:fld id="{2031FF97-7202-4846-BECC-3E8C42FA3EFA}" type="datetimeFigureOut">
               <a:rPr lang="en-US" smtClean="0"/>
-              <a:t>1/8/2024</a:t>
+              <a:t>1/11/2024</a:t>
             </a:fld>
             <a:endParaRPr lang="en-US"/>
           </a:p>
@@ -466,7 +818,7 @@
           <a:p>
             <a:fld id="{2031FF97-7202-4846-BECC-3E8C42FA3EFA}" type="datetimeFigureOut">
               <a:rPr lang="en-US" smtClean="0"/>
-              <a:t>1/8/2024</a:t>
+              <a:t>1/11/2024</a:t>
             </a:fld>
             <a:endParaRPr lang="en-US"/>
           </a:p>
@@ -674,7 +1026,7 @@
           <a:p>
             <a:fld id="{2031FF97-7202-4846-BECC-3E8C42FA3EFA}" type="datetimeFigureOut">
               <a:rPr lang="en-US" smtClean="0"/>
-              <a:t>1/8/2024</a:t>
+              <a:t>1/11/2024</a:t>
             </a:fld>
             <a:endParaRPr lang="en-US"/>
           </a:p>
@@ -872,7 +1224,7 @@
           <a:p>
             <a:fld id="{2031FF97-7202-4846-BECC-3E8C42FA3EFA}" type="datetimeFigureOut">
               <a:rPr lang="en-US" smtClean="0"/>
-              <a:t>1/8/2024</a:t>
+              <a:t>1/11/2024</a:t>
             </a:fld>
             <a:endParaRPr lang="en-US"/>
           </a:p>
@@ -1147,7 +1499,7 @@
           <a:p>
             <a:fld id="{2031FF97-7202-4846-BECC-3E8C42FA3EFA}" type="datetimeFigureOut">
               <a:rPr lang="en-US" smtClean="0"/>
-              <a:t>1/8/2024</a:t>
+              <a:t>1/11/2024</a:t>
             </a:fld>
             <a:endParaRPr lang="en-US"/>
           </a:p>
@@ -1412,7 +1764,7 @@
           <a:p>
             <a:fld id="{2031FF97-7202-4846-BECC-3E8C42FA3EFA}" type="datetimeFigureOut">
               <a:rPr lang="en-US" smtClean="0"/>
-              <a:t>1/8/2024</a:t>
+              <a:t>1/11/2024</a:t>
             </a:fld>
             <a:endParaRPr lang="en-US"/>
           </a:p>
@@ -1824,7 +2176,7 @@
           <a:p>
             <a:fld id="{2031FF97-7202-4846-BECC-3E8C42FA3EFA}" type="datetimeFigureOut">
               <a:rPr lang="en-US" smtClean="0"/>
-              <a:t>1/8/2024</a:t>
+              <a:t>1/11/2024</a:t>
             </a:fld>
             <a:endParaRPr lang="en-US"/>
           </a:p>
@@ -1965,7 +2317,7 @@
           <a:p>
             <a:fld id="{2031FF97-7202-4846-BECC-3E8C42FA3EFA}" type="datetimeFigureOut">
               <a:rPr lang="en-US" smtClean="0"/>
-              <a:t>1/8/2024</a:t>
+              <a:t>1/11/2024</a:t>
             </a:fld>
             <a:endParaRPr lang="en-US"/>
           </a:p>
@@ -2078,7 +2430,7 @@
           <a:p>
             <a:fld id="{2031FF97-7202-4846-BECC-3E8C42FA3EFA}" type="datetimeFigureOut">
               <a:rPr lang="en-US" smtClean="0"/>
-              <a:t>1/8/2024</a:t>
+              <a:t>1/11/2024</a:t>
             </a:fld>
             <a:endParaRPr lang="en-US"/>
           </a:p>
@@ -2389,7 +2741,7 @@
           <a:p>
             <a:fld id="{2031FF97-7202-4846-BECC-3E8C42FA3EFA}" type="datetimeFigureOut">
               <a:rPr lang="en-US" smtClean="0"/>
-              <a:t>1/8/2024</a:t>
+              <a:t>1/11/2024</a:t>
             </a:fld>
             <a:endParaRPr lang="en-US"/>
           </a:p>
@@ -2677,7 +3029,7 @@
           <a:p>
             <a:fld id="{2031FF97-7202-4846-BECC-3E8C42FA3EFA}" type="datetimeFigureOut">
               <a:rPr lang="en-US" smtClean="0"/>
-              <a:t>1/8/2024</a:t>
+              <a:t>1/11/2024</a:t>
             </a:fld>
             <a:endParaRPr lang="en-US"/>
           </a:p>
@@ -2918,7 +3270,7 @@
           <a:p>
             <a:fld id="{2031FF97-7202-4846-BECC-3E8C42FA3EFA}" type="datetimeFigureOut">
               <a:rPr lang="en-US" smtClean="0"/>
-              <a:t>1/8/2024</a:t>
+              <a:t>1/11/2024</a:t>
             </a:fld>
             <a:endParaRPr lang="en-US"/>
           </a:p>
@@ -3358,7 +3710,7 @@
           <a:p>
             <a:r>
               <a:rPr lang="en-US" dirty="0"/>
-              <a:t>205 Jan 15, Class 6</a:t>
+              <a:t>205 Jan 17, Class 6</a:t>
             </a:r>
           </a:p>
         </p:txBody>
@@ -3496,56 +3848,58 @@
           <a:p>
             <a:r>
               <a:rPr lang="en-US" dirty="0"/>
-              <a:t>For </a:t>
-            </a:r>
-            <a:r>
-              <a:rPr lang="en-US"/>
-              <a:t>Wed Jan 17</a:t>
+              <a:t>For Fri Jan 19</a:t>
+            </a:r>
+          </a:p>
+        </p:txBody>
+      </p:sp>
+      <p:sp>
+        <p:nvSpPr>
+          <p:cNvPr id="3" name="Content Placeholder 2">
+            <a:extLst>
+              <a:ext uri="{FF2B5EF4-FFF2-40B4-BE49-F238E27FC236}">
+                <a16:creationId xmlns:a16="http://schemas.microsoft.com/office/drawing/2014/main" id="{2C45C299-7371-D361-2C61-3DBF2B9B0AC2}"/>
+              </a:ext>
+            </a:extLst>
+          </p:cNvPr>
+          <p:cNvSpPr>
+            <a:spLocks noGrp="1"/>
+          </p:cNvSpPr>
+          <p:nvPr>
+            <p:ph idx="1"/>
+          </p:nvPr>
+        </p:nvSpPr>
+        <p:spPr/>
+        <p:txBody>
+          <a:bodyPr/>
+          <a:lstStyle/>
+          <a:p>
+            <a:r>
+              <a:rPr lang="en-US" dirty="0"/>
+              <a:t>Chapter 6, Writing in APA format</a:t>
+            </a:r>
+          </a:p>
+          <a:p>
+            <a:r>
+              <a:rPr lang="en-US" dirty="0"/>
+              <a:t>Chapter 7</a:t>
+            </a:r>
+            <a:r>
+              <a:rPr lang="en-US"/>
+              <a:t>, Within-participants design</a:t>
             </a:r>
             <a:endParaRPr lang="en-US" dirty="0"/>
           </a:p>
-        </p:txBody>
-      </p:sp>
-      <p:sp>
-        <p:nvSpPr>
-          <p:cNvPr id="3" name="Content Placeholder 2">
-            <a:extLst>
-              <a:ext uri="{FF2B5EF4-FFF2-40B4-BE49-F238E27FC236}">
-                <a16:creationId xmlns:a16="http://schemas.microsoft.com/office/drawing/2014/main" id="{2C45C299-7371-D361-2C61-3DBF2B9B0AC2}"/>
-              </a:ext>
-            </a:extLst>
-          </p:cNvPr>
-          <p:cNvSpPr>
-            <a:spLocks noGrp="1"/>
-          </p:cNvSpPr>
-          <p:nvPr>
-            <p:ph idx="1"/>
-          </p:nvPr>
-        </p:nvSpPr>
-        <p:spPr/>
-        <p:txBody>
-          <a:bodyPr/>
-          <a:lstStyle/>
-          <a:p>
-            <a:r>
-              <a:rPr lang="en-US" dirty="0"/>
-              <a:t>Chapter 6, Writing in APA format</a:t>
-            </a:r>
-          </a:p>
-          <a:p>
-            <a:pPr lvl="1"/>
-            <a:r>
-              <a:rPr lang="en-US" dirty="0"/>
-              <a:t>HW6</a:t>
-            </a:r>
-          </a:p>
           <a:p>
             <a:endParaRPr lang="en-US" dirty="0"/>
           </a:p>
           <a:p>
-            <a:r>
-              <a:rPr lang="en-US" dirty="0"/>
-              <a:t>You can start drafting your first writeup</a:t>
+            <a:endParaRPr lang="en-US" dirty="0"/>
+          </a:p>
+          <a:p>
+            <a:r>
+              <a:rPr lang="en-US" dirty="0"/>
+              <a:t>Start drafting your first writeup</a:t>
             </a:r>
           </a:p>
           <a:p>
@@ -5205,4 +5559,319 @@
     </a:ext>
   </a:extLst>
 </a:theme>
+</file>
+
+<file path=ppt/theme/theme2.xml><?xml version="1.0" encoding="utf-8"?>
+<a:theme xmlns:a="http://schemas.openxmlformats.org/drawingml/2006/main" name="Office Theme">
+  <a:themeElements>
+    <a:clrScheme name="Office">
+      <a:dk1>
+        <a:sysClr val="windowText" lastClr="000000"/>
+      </a:dk1>
+      <a:lt1>
+        <a:sysClr val="window" lastClr="FFFFFF"/>
+      </a:lt1>
+      <a:dk2>
+        <a:srgbClr val="0E2841"/>
+      </a:dk2>
+      <a:lt2>
+        <a:srgbClr val="E8E8E8"/>
+      </a:lt2>
+      <a:accent1>
+        <a:srgbClr val="156082"/>
+      </a:accent1>
+      <a:accent2>
+        <a:srgbClr val="E97132"/>
+      </a:accent2>
+      <a:accent3>
+        <a:srgbClr val="196B24"/>
+      </a:accent3>
+      <a:accent4>
+        <a:srgbClr val="0F9ED5"/>
+      </a:accent4>
+      <a:accent5>
+        <a:srgbClr val="A02B93"/>
+      </a:accent5>
+      <a:accent6>
+        <a:srgbClr val="4EA72E"/>
+      </a:accent6>
+      <a:hlink>
+        <a:srgbClr val="467886"/>
+      </a:hlink>
+      <a:folHlink>
+        <a:srgbClr val="96607D"/>
+      </a:folHlink>
+    </a:clrScheme>
+    <a:fontScheme name="Office">
+      <a:majorFont>
+        <a:latin typeface="Aptos Display" panose="02110004020202020204"/>
+        <a:ea typeface=""/>
+        <a:cs typeface=""/>
+        <a:font script="Jpan" typeface="游ゴシック Light"/>
+        <a:font script="Hang" typeface="맑은 고딕"/>
+        <a:font script="Hans" typeface="等线 Light"/>
+        <a:font script="Hant" typeface="新細明體"/>
+        <a:font script="Arab" typeface="Times New Roman"/>
+        <a:font script="Hebr" typeface="Times New Roman"/>
+        <a:font script="Thai" typeface="Angsana New"/>
+        <a:font script="Ethi" typeface="Nyala"/>
+        <a:font script="Beng" typeface="Vrinda"/>
+        <a:font script="Gujr" typeface="Shruti"/>
+        <a:font script="Khmr" typeface="MoolBoran"/>
+        <a:font script="Knda" typeface="Tunga"/>
+        <a:font script="Guru" typeface="Raavi"/>
+        <a:font script="Cans" typeface="Euphemia"/>
+        <a:font script="Cher" typeface="Plantagenet Cherokee"/>
+        <a:font script="Yiii" typeface="Microsoft Yi Baiti"/>
+        <a:font script="Tibt" typeface="Microsoft Himalaya"/>
+        <a:font script="Thaa" typeface="MV Boli"/>
+        <a:font script="Deva" typeface="Mangal"/>
+        <a:font script="Telu" typeface="Gautami"/>
+        <a:font script="Taml" typeface="Latha"/>
+        <a:font script="Syrc" typeface="Estrangelo Edessa"/>
+        <a:font script="Orya" typeface="Kalinga"/>
+        <a:font script="Mlym" typeface="Kartika"/>
+        <a:font script="Laoo" typeface="DokChampa"/>
+        <a:font script="Sinh" typeface="Iskoola Pota"/>
+        <a:font script="Mong" typeface="Mongolian Baiti"/>
+        <a:font script="Viet" typeface="Times New Roman"/>
+        <a:font script="Uigh" typeface="Microsoft Uighur"/>
+        <a:font script="Geor" typeface="Sylfaen"/>
+        <a:font script="Armn" typeface="Arial"/>
+        <a:font script="Bugi" typeface="Leelawadee UI"/>
+        <a:font script="Bopo" typeface="Microsoft JhengHei"/>
+        <a:font script="Java" typeface="Javanese Text"/>
+        <a:font script="Lisu" typeface="Segoe UI"/>
+        <a:font script="Mymr" typeface="Myanmar Text"/>
+        <a:font script="Nkoo" typeface="Ebrima"/>
+        <a:font script="Olck" typeface="Nirmala UI"/>
+        <a:font script="Osma" typeface="Ebrima"/>
+        <a:font script="Phag" typeface="Phagspa"/>
+        <a:font script="Syrn" typeface="Estrangelo Edessa"/>
+        <a:font script="Syrj" typeface="Estrangelo Edessa"/>
+        <a:font script="Syre" typeface="Estrangelo Edessa"/>
+        <a:font script="Sora" typeface="Nirmala UI"/>
+        <a:font script="Tale" typeface="Microsoft Tai Le"/>
+        <a:font script="Talu" typeface="Microsoft New Tai Lue"/>
+        <a:font script="Tfng" typeface="Ebrima"/>
+      </a:majorFont>
+      <a:minorFont>
+        <a:latin typeface="Aptos" panose="02110004020202020204"/>
+        <a:ea typeface=""/>
+        <a:cs typeface=""/>
+        <a:font script="Jpan" typeface="游ゴシック"/>
+        <a:font script="Hang" typeface="맑은 고딕"/>
+        <a:font script="Hans" typeface="等线"/>
+        <a:font script="Hant" typeface="新細明體"/>
+        <a:font script="Arab" typeface="Arial"/>
+        <a:font script="Hebr" typeface="Arial"/>
+        <a:font script="Thai" typeface="Cordia New"/>
+        <a:font script="Ethi" typeface="Nyala"/>
+        <a:font script="Beng" typeface="Vrinda"/>
+        <a:font script="Gujr" typeface="Shruti"/>
+        <a:font script="Khmr" typeface="DaunPenh"/>
+        <a:font script="Knda" typeface="Tunga"/>
+        <a:font script="Guru" typeface="Raavi"/>
+        <a:font script="Cans" typeface="Euphemia"/>
+        <a:font script="Cher" typeface="Plantagenet Cherokee"/>
+        <a:font script="Yiii" typeface="Microsoft Yi Baiti"/>
+        <a:font script="Tibt" typeface="Microsoft Himalaya"/>
+        <a:font script="Thaa" typeface="MV Boli"/>
+        <a:font script="Deva" typeface="Mangal"/>
+        <a:font script="Telu" typeface="Gautami"/>
+        <a:font script="Taml" typeface="Latha"/>
+        <a:font script="Syrc" typeface="Estrangelo Edessa"/>
+        <a:font script="Orya" typeface="Kalinga"/>
+        <a:font script="Mlym" typeface="Kartika"/>
+        <a:font script="Laoo" typeface="DokChampa"/>
+        <a:font script="Sinh" typeface="Iskoola Pota"/>
+        <a:font script="Mong" typeface="Mongolian Baiti"/>
+        <a:font script="Viet" typeface="Arial"/>
+        <a:font script="Uigh" typeface="Microsoft Uighur"/>
+        <a:font script="Geor" typeface="Sylfaen"/>
+        <a:font script="Armn" typeface="Arial"/>
+        <a:font script="Bugi" typeface="Leelawadee UI"/>
+        <a:font script="Bopo" typeface="Microsoft JhengHei"/>
+        <a:font script="Java" typeface="Javanese Text"/>
+        <a:font script="Lisu" typeface="Segoe UI"/>
+        <a:font script="Mymr" typeface="Myanmar Text"/>
+        <a:font script="Nkoo" typeface="Ebrima"/>
+        <a:font script="Olck" typeface="Nirmala UI"/>
+        <a:font script="Osma" typeface="Ebrima"/>
+        <a:font script="Phag" typeface="Phagspa"/>
+        <a:font script="Syrn" typeface="Estrangelo Edessa"/>
+        <a:font script="Syrj" typeface="Estrangelo Edessa"/>
+        <a:font script="Syre" typeface="Estrangelo Edessa"/>
+        <a:font script="Sora" typeface="Nirmala UI"/>
+        <a:font script="Tale" typeface="Microsoft Tai Le"/>
+        <a:font script="Talu" typeface="Microsoft New Tai Lue"/>
+        <a:font script="Tfng" typeface="Ebrima"/>
+      </a:minorFont>
+    </a:fontScheme>
+    <a:fmtScheme name="Office">
+      <a:fillStyleLst>
+        <a:solidFill>
+          <a:schemeClr val="phClr"/>
+        </a:solidFill>
+        <a:gradFill rotWithShape="1">
+          <a:gsLst>
+            <a:gs pos="0">
+              <a:schemeClr val="phClr">
+                <a:lumMod val="110000"/>
+                <a:satMod val="105000"/>
+                <a:tint val="67000"/>
+              </a:schemeClr>
+            </a:gs>
+            <a:gs pos="50000">
+              <a:schemeClr val="phClr">
+                <a:lumMod val="105000"/>
+                <a:satMod val="103000"/>
+                <a:tint val="73000"/>
+              </a:schemeClr>
+            </a:gs>
+            <a:gs pos="100000">
+              <a:schemeClr val="phClr">
+                <a:lumMod val="105000"/>
+                <a:satMod val="109000"/>
+                <a:tint val="81000"/>
+              </a:schemeClr>
+            </a:gs>
+          </a:gsLst>
+          <a:lin ang="5400000" scaled="0"/>
+        </a:gradFill>
+        <a:gradFill rotWithShape="1">
+          <a:gsLst>
+            <a:gs pos="0">
+              <a:schemeClr val="phClr">
+                <a:satMod val="103000"/>
+                <a:lumMod val="102000"/>
+                <a:tint val="94000"/>
+              </a:schemeClr>
+            </a:gs>
+            <a:gs pos="50000">
+              <a:schemeClr val="phClr">
+                <a:satMod val="110000"/>
+                <a:lumMod val="100000"/>
+                <a:shade val="100000"/>
+              </a:schemeClr>
+            </a:gs>
+            <a:gs pos="100000">
+              <a:schemeClr val="phClr">
+                <a:lumMod val="99000"/>
+                <a:satMod val="120000"/>
+                <a:shade val="78000"/>
+              </a:schemeClr>
+            </a:gs>
+          </a:gsLst>
+          <a:lin ang="5400000" scaled="0"/>
+        </a:gradFill>
+      </a:fillStyleLst>
+      <a:lnStyleLst>
+        <a:ln w="12700" cap="flat" cmpd="sng" algn="ctr">
+          <a:solidFill>
+            <a:schemeClr val="phClr"/>
+          </a:solidFill>
+          <a:prstDash val="solid"/>
+          <a:miter lim="800000"/>
+        </a:ln>
+        <a:ln w="19050" cap="flat" cmpd="sng" algn="ctr">
+          <a:solidFill>
+            <a:schemeClr val="phClr"/>
+          </a:solidFill>
+          <a:prstDash val="solid"/>
+          <a:miter lim="800000"/>
+        </a:ln>
+        <a:ln w="25400" cap="flat" cmpd="sng" algn="ctr">
+          <a:solidFill>
+            <a:schemeClr val="phClr"/>
+          </a:solidFill>
+          <a:prstDash val="solid"/>
+          <a:miter lim="800000"/>
+        </a:ln>
+      </a:lnStyleLst>
+      <a:effectStyleLst>
+        <a:effectStyle>
+          <a:effectLst/>
+        </a:effectStyle>
+        <a:effectStyle>
+          <a:effectLst/>
+        </a:effectStyle>
+        <a:effectStyle>
+          <a:effectLst>
+            <a:outerShdw blurRad="57150" dist="19050" dir="5400000" algn="ctr" rotWithShape="0">
+              <a:srgbClr val="000000">
+                <a:alpha val="63000"/>
+              </a:srgbClr>
+            </a:outerShdw>
+          </a:effectLst>
+        </a:effectStyle>
+      </a:effectStyleLst>
+      <a:bgFillStyleLst>
+        <a:solidFill>
+          <a:schemeClr val="phClr"/>
+        </a:solidFill>
+        <a:solidFill>
+          <a:schemeClr val="phClr">
+            <a:tint val="95000"/>
+            <a:satMod val="170000"/>
+          </a:schemeClr>
+        </a:solidFill>
+        <a:gradFill rotWithShape="1">
+          <a:gsLst>
+            <a:gs pos="0">
+              <a:schemeClr val="phClr">
+                <a:tint val="93000"/>
+                <a:satMod val="150000"/>
+                <a:shade val="98000"/>
+                <a:lumMod val="102000"/>
+              </a:schemeClr>
+            </a:gs>
+            <a:gs pos="50000">
+              <a:schemeClr val="phClr">
+                <a:tint val="98000"/>
+                <a:satMod val="130000"/>
+                <a:shade val="90000"/>
+                <a:lumMod val="103000"/>
+              </a:schemeClr>
+            </a:gs>
+            <a:gs pos="100000">
+              <a:schemeClr val="phClr">
+                <a:shade val="63000"/>
+                <a:satMod val="120000"/>
+              </a:schemeClr>
+            </a:gs>
+          </a:gsLst>
+          <a:lin ang="5400000" scaled="0"/>
+        </a:gradFill>
+      </a:bgFillStyleLst>
+    </a:fmtScheme>
+  </a:themeElements>
+  <a:objectDefaults>
+    <a:lnDef>
+      <a:spPr/>
+      <a:bodyPr/>
+      <a:lstStyle/>
+      <a:style>
+        <a:lnRef idx="2">
+          <a:schemeClr val="accent1"/>
+        </a:lnRef>
+        <a:fillRef idx="0">
+          <a:schemeClr val="accent1"/>
+        </a:fillRef>
+        <a:effectRef idx="1">
+          <a:schemeClr val="accent1"/>
+        </a:effectRef>
+        <a:fontRef idx="minor">
+          <a:schemeClr val="tx1"/>
+        </a:fontRef>
+      </a:style>
+    </a:lnDef>
+  </a:objectDefaults>
+  <a:extraClrSchemeLst/>
+  <a:extLst>
+    <a:ext uri="{05A4C25C-085E-4340-85A3-A5531E510DB2}">
+      <thm15:themeFamily xmlns:thm15="http://schemas.microsoft.com/office/thememl/2012/main" name="Office Theme" id="{2E142A2C-CD16-42D6-873A-C26D2A0506FA}" vid="{1BDDFF52-6CD6-40A5-AB3C-68EB2F1E4D0A}"/>
+    </a:ext>
+  </a:extLst>
+</a:theme>
 </file>
--- a/Class Slides 2024/Class 6.pptx
+++ b/Class Slides 2024/Class 6.pptx
@@ -5,7 +5,7 @@
     <p:sldMasterId id="2147483648" r:id="rId1"/>
   </p:sldMasterIdLst>
   <p:notesMasterIdLst>
-    <p:notesMasterId r:id="rId12"/>
+    <p:notesMasterId r:id="rId25"/>
   </p:notesMasterIdLst>
   <p:sldIdLst>
     <p:sldId id="256" r:id="rId2"/>
@@ -18,9 +18,22 @@
     <p:sldId id="262" r:id="rId9"/>
     <p:sldId id="263" r:id="rId10"/>
     <p:sldId id="264" r:id="rId11"/>
+    <p:sldId id="266" r:id="rId12"/>
+    <p:sldId id="267" r:id="rId13"/>
+    <p:sldId id="326" r:id="rId14"/>
+    <p:sldId id="327" r:id="rId15"/>
+    <p:sldId id="328" r:id="rId16"/>
+    <p:sldId id="329" r:id="rId17"/>
+    <p:sldId id="330" r:id="rId18"/>
+    <p:sldId id="332" r:id="rId19"/>
+    <p:sldId id="331" r:id="rId20"/>
+    <p:sldId id="333" r:id="rId21"/>
+    <p:sldId id="335" r:id="rId22"/>
+    <p:sldId id="337" r:id="rId23"/>
+    <p:sldId id="336" r:id="rId24"/>
   </p:sldIdLst>
   <p:sldSz cx="12192000" cy="6858000"/>
-  <p:notesSz cx="6858000" cy="9144000"/>
+  <p:notesSz cx="7102475" cy="9388475"/>
   <p:defaultTextStyle>
     <a:defPPr>
       <a:defRPr lang="en-US"/>
@@ -159,14 +172,14 @@
         <p:spPr>
           <a:xfrm>
             <a:off x="0" y="0"/>
-            <a:ext cx="2971800" cy="458788"/>
+            <a:ext cx="3077739" cy="471054"/>
           </a:xfrm>
           <a:prstGeom prst="rect">
             <a:avLst/>
           </a:prstGeom>
         </p:spPr>
         <p:txBody>
-          <a:bodyPr vert="horz" lIns="91440" tIns="45720" rIns="91440" bIns="45720" rtlCol="0"/>
+          <a:bodyPr vert="horz" lIns="94229" tIns="47114" rIns="94229" bIns="47114" rtlCol="0"/>
           <a:lstStyle>
             <a:lvl1pPr algn="l">
               <a:defRPr sz="1200"/>
@@ -189,15 +202,15 @@
         </p:nvSpPr>
         <p:spPr>
           <a:xfrm>
-            <a:off x="3884613" y="0"/>
-            <a:ext cx="2971800" cy="458788"/>
+            <a:off x="4023092" y="0"/>
+            <a:ext cx="3077739" cy="471054"/>
           </a:xfrm>
           <a:prstGeom prst="rect">
             <a:avLst/>
           </a:prstGeom>
         </p:spPr>
         <p:txBody>
-          <a:bodyPr vert="horz" lIns="91440" tIns="45720" rIns="91440" bIns="45720" rtlCol="0"/>
+          <a:bodyPr vert="horz" lIns="94229" tIns="47114" rIns="94229" bIns="47114" rtlCol="0"/>
           <a:lstStyle>
             <a:lvl1pPr algn="r">
               <a:defRPr sz="1200"/>
@@ -206,7 +219,7 @@
           <a:p>
             <a:fld id="{6E0855E8-6030-425E-AD5A-E8A6F1633C7C}" type="datetimeFigureOut">
               <a:rPr lang="en-US" smtClean="0"/>
-              <a:t>1/11/2024</a:t>
+              <a:t>1/16/2024</a:t>
             </a:fld>
             <a:endParaRPr lang="en-US"/>
           </a:p>
@@ -224,8 +237,8 @@
         </p:nvSpPr>
         <p:spPr>
           <a:xfrm>
-            <a:off x="685800" y="1143000"/>
-            <a:ext cx="5486400" cy="3086100"/>
+            <a:off x="735013" y="1173163"/>
+            <a:ext cx="5632450" cy="3168650"/>
           </a:xfrm>
           <a:prstGeom prst="rect">
             <a:avLst/>
@@ -238,7 +251,7 @@
           </a:ln>
         </p:spPr>
         <p:txBody>
-          <a:bodyPr vert="horz" lIns="91440" tIns="45720" rIns="91440" bIns="45720" rtlCol="0" anchor="ctr"/>
+          <a:bodyPr vert="horz" lIns="94229" tIns="47114" rIns="94229" bIns="47114" rtlCol="0" anchor="ctr"/>
           <a:lstStyle/>
           <a:p>
             <a:endParaRPr lang="en-US"/>
@@ -257,15 +270,15 @@
         </p:nvSpPr>
         <p:spPr>
           <a:xfrm>
-            <a:off x="685800" y="4400550"/>
-            <a:ext cx="5486400" cy="3600450"/>
+            <a:off x="710248" y="4518204"/>
+            <a:ext cx="5681980" cy="3696712"/>
           </a:xfrm>
           <a:prstGeom prst="rect">
             <a:avLst/>
           </a:prstGeom>
         </p:spPr>
         <p:txBody>
-          <a:bodyPr vert="horz" lIns="91440" tIns="45720" rIns="91440" bIns="45720" rtlCol="0"/>
+          <a:bodyPr vert="horz" lIns="94229" tIns="47114" rIns="94229" bIns="47114" rtlCol="0"/>
           <a:lstStyle/>
           <a:p>
             <a:pPr lvl="0"/>
@@ -316,15 +329,15 @@
         </p:nvSpPr>
         <p:spPr>
           <a:xfrm>
-            <a:off x="0" y="8685213"/>
-            <a:ext cx="2971800" cy="458787"/>
+            <a:off x="0" y="8917422"/>
+            <a:ext cx="3077739" cy="471053"/>
           </a:xfrm>
           <a:prstGeom prst="rect">
             <a:avLst/>
           </a:prstGeom>
         </p:spPr>
         <p:txBody>
-          <a:bodyPr vert="horz" lIns="91440" tIns="45720" rIns="91440" bIns="45720" rtlCol="0" anchor="b"/>
+          <a:bodyPr vert="horz" lIns="94229" tIns="47114" rIns="94229" bIns="47114" rtlCol="0" anchor="b"/>
           <a:lstStyle>
             <a:lvl1pPr algn="l">
               <a:defRPr sz="1200"/>
@@ -347,15 +360,15 @@
         </p:nvSpPr>
         <p:spPr>
           <a:xfrm>
-            <a:off x="3884613" y="8685213"/>
-            <a:ext cx="2971800" cy="458787"/>
+            <a:off x="4023092" y="8917422"/>
+            <a:ext cx="3077739" cy="471053"/>
           </a:xfrm>
           <a:prstGeom prst="rect">
             <a:avLst/>
           </a:prstGeom>
         </p:spPr>
         <p:txBody>
-          <a:bodyPr vert="horz" lIns="91440" tIns="45720" rIns="91440" bIns="45720" rtlCol="0" anchor="b"/>
+          <a:bodyPr vert="horz" lIns="94229" tIns="47114" rIns="94229" bIns="47114" rtlCol="0" anchor="b"/>
           <a:lstStyle>
             <a:lvl1pPr algn="r">
               <a:defRPr sz="1200"/>
@@ -473,6 +486,360 @@
 </p:notesMaster>
 </file>
 
+<file path=ppt/notesSlides/notesSlide1.xml><?xml version="1.0" encoding="utf-8"?>
+<p:notes xmlns:a="http://schemas.openxmlformats.org/drawingml/2006/main" xmlns:r="http://schemas.openxmlformats.org/officeDocument/2006/relationships" xmlns:p="http://schemas.openxmlformats.org/presentationml/2006/main">
+  <p:cSld>
+    <p:spTree>
+      <p:nvGrpSpPr>
+        <p:cNvPr id="1" name=""/>
+        <p:cNvGrpSpPr/>
+        <p:nvPr/>
+      </p:nvGrpSpPr>
+      <p:grpSpPr>
+        <a:xfrm>
+          <a:off x="0" y="0"/>
+          <a:ext cx="0" cy="0"/>
+          <a:chOff x="0" y="0"/>
+          <a:chExt cx="0" cy="0"/>
+        </a:xfrm>
+      </p:grpSpPr>
+      <p:sp>
+        <p:nvSpPr>
+          <p:cNvPr id="20482" name="Rectangle 7"/>
+          <p:cNvSpPr>
+            <a:spLocks noGrp="1" noChangeArrowheads="1"/>
+          </p:cNvSpPr>
+          <p:nvPr>
+            <p:ph type="sldNum" sz="quarter" idx="5"/>
+          </p:nvPr>
+        </p:nvSpPr>
+        <p:spPr bwMode="auto">
+          <a:noFill/>
+          <a:extLst>
+            <a:ext uri="{909E8E84-426E-40DD-AFC4-6F175D3DCCD1}">
+              <a14:hiddenFill xmlns:a14="http://schemas.microsoft.com/office/drawing/2010/main">
+                <a:solidFill>
+                  <a:srgbClr val="FFFFFF"/>
+                </a:solidFill>
+              </a14:hiddenFill>
+            </a:ext>
+            <a:ext uri="{91240B29-F687-4F45-9708-019B960494DF}">
+              <a14:hiddenLine xmlns:a14="http://schemas.microsoft.com/office/drawing/2010/main" w="9525">
+                <a:solidFill>
+                  <a:srgbClr val="000000"/>
+                </a:solidFill>
+                <a:miter lim="800000"/>
+                <a:headEnd/>
+                <a:tailEnd/>
+              </a14:hiddenLine>
+            </a:ext>
+          </a:extLst>
+        </p:spPr>
+        <p:txBody>
+          <a:bodyPr wrap="square" numCol="1" anchorCtr="0" compatLnSpc="1">
+            <a:prstTxWarp prst="textNoShape">
+              <a:avLst/>
+            </a:prstTxWarp>
+          </a:bodyPr>
+          <a:lstStyle>
+            <a:lvl1pPr eaLnBrk="0" hangingPunct="0">
+              <a:defRPr>
+                <a:solidFill>
+                  <a:schemeClr val="tx1"/>
+                </a:solidFill>
+                <a:latin typeface="Arial" charset="0"/>
+                <a:cs typeface="Arial" charset="0"/>
+              </a:defRPr>
+            </a:lvl1pPr>
+            <a:lvl2pPr marL="788894" indent="-303420" eaLnBrk="0" hangingPunct="0">
+              <a:defRPr>
+                <a:solidFill>
+                  <a:schemeClr val="tx1"/>
+                </a:solidFill>
+                <a:latin typeface="Arial" charset="0"/>
+                <a:cs typeface="Arial" charset="0"/>
+              </a:defRPr>
+            </a:lvl2pPr>
+            <a:lvl3pPr marL="1213684" indent="-242736" eaLnBrk="0" hangingPunct="0">
+              <a:defRPr>
+                <a:solidFill>
+                  <a:schemeClr val="tx1"/>
+                </a:solidFill>
+                <a:latin typeface="Arial" charset="0"/>
+                <a:cs typeface="Arial" charset="0"/>
+              </a:defRPr>
+            </a:lvl3pPr>
+            <a:lvl4pPr marL="1699157" indent="-242736" eaLnBrk="0" hangingPunct="0">
+              <a:defRPr>
+                <a:solidFill>
+                  <a:schemeClr val="tx1"/>
+                </a:solidFill>
+                <a:latin typeface="Arial" charset="0"/>
+                <a:cs typeface="Arial" charset="0"/>
+              </a:defRPr>
+            </a:lvl4pPr>
+            <a:lvl5pPr marL="2184631" indent="-242736" eaLnBrk="0" hangingPunct="0">
+              <a:defRPr>
+                <a:solidFill>
+                  <a:schemeClr val="tx1"/>
+                </a:solidFill>
+                <a:latin typeface="Arial" charset="0"/>
+                <a:cs typeface="Arial" charset="0"/>
+              </a:defRPr>
+            </a:lvl5pPr>
+            <a:lvl6pPr marL="2670104" indent="-242736" eaLnBrk="0" fontAlgn="base" hangingPunct="0">
+              <a:spcBef>
+                <a:spcPct val="0"/>
+              </a:spcBef>
+              <a:spcAft>
+                <a:spcPct val="0"/>
+              </a:spcAft>
+              <a:defRPr>
+                <a:solidFill>
+                  <a:schemeClr val="tx1"/>
+                </a:solidFill>
+                <a:latin typeface="Arial" charset="0"/>
+                <a:cs typeface="Arial" charset="0"/>
+              </a:defRPr>
+            </a:lvl6pPr>
+            <a:lvl7pPr marL="3155578" indent="-242736" eaLnBrk="0" fontAlgn="base" hangingPunct="0">
+              <a:spcBef>
+                <a:spcPct val="0"/>
+              </a:spcBef>
+              <a:spcAft>
+                <a:spcPct val="0"/>
+              </a:spcAft>
+              <a:defRPr>
+                <a:solidFill>
+                  <a:schemeClr val="tx1"/>
+                </a:solidFill>
+                <a:latin typeface="Arial" charset="0"/>
+                <a:cs typeface="Arial" charset="0"/>
+              </a:defRPr>
+            </a:lvl7pPr>
+            <a:lvl8pPr marL="3641050" indent="-242736" eaLnBrk="0" fontAlgn="base" hangingPunct="0">
+              <a:spcBef>
+                <a:spcPct val="0"/>
+              </a:spcBef>
+              <a:spcAft>
+                <a:spcPct val="0"/>
+              </a:spcAft>
+              <a:defRPr>
+                <a:solidFill>
+                  <a:schemeClr val="tx1"/>
+                </a:solidFill>
+                <a:latin typeface="Arial" charset="0"/>
+                <a:cs typeface="Arial" charset="0"/>
+              </a:defRPr>
+            </a:lvl8pPr>
+            <a:lvl9pPr marL="4126524" indent="-242736" eaLnBrk="0" fontAlgn="base" hangingPunct="0">
+              <a:spcBef>
+                <a:spcPct val="0"/>
+              </a:spcBef>
+              <a:spcAft>
+                <a:spcPct val="0"/>
+              </a:spcAft>
+              <a:defRPr>
+                <a:solidFill>
+                  <a:schemeClr val="tx1"/>
+                </a:solidFill>
+                <a:latin typeface="Arial" charset="0"/>
+                <a:cs typeface="Arial" charset="0"/>
+              </a:defRPr>
+            </a:lvl9pPr>
+          </a:lstStyle>
+          <a:p>
+            <a:pPr eaLnBrk="1" hangingPunct="1"/>
+            <a:fld id="{8C6454AF-A3F4-4654-85C8-8D53AD94A576}" type="slidenum">
+              <a:rPr lang="en-US" smtClean="0"/>
+              <a:pPr eaLnBrk="1" hangingPunct="1"/>
+              <a:t>12</a:t>
+            </a:fld>
+            <a:endParaRPr lang="en-US"/>
+          </a:p>
+        </p:txBody>
+      </p:sp>
+      <p:sp>
+        <p:nvSpPr>
+          <p:cNvPr id="20483" name="Rectangle 2"/>
+          <p:cNvSpPr>
+            <a:spLocks noGrp="1" noRot="1" noChangeAspect="1" noChangeArrowheads="1" noTextEdit="1"/>
+          </p:cNvSpPr>
+          <p:nvPr>
+            <p:ph type="sldImg"/>
+          </p:nvPr>
+        </p:nvSpPr>
+        <p:spPr bwMode="auto">
+          <a:noFill/>
+          <a:ln>
+            <a:solidFill>
+              <a:srgbClr val="000000"/>
+            </a:solidFill>
+            <a:miter lim="800000"/>
+            <a:headEnd/>
+            <a:tailEnd/>
+          </a:ln>
+          <a:extLst>
+            <a:ext uri="{909E8E84-426E-40DD-AFC4-6F175D3DCCD1}">
+              <a14:hiddenFill xmlns:a14="http://schemas.microsoft.com/office/drawing/2010/main">
+                <a:solidFill>
+                  <a:srgbClr val="FFFFFF"/>
+                </a:solidFill>
+              </a14:hiddenFill>
+            </a:ext>
+          </a:extLst>
+        </p:spPr>
+      </p:sp>
+      <p:sp>
+        <p:nvSpPr>
+          <p:cNvPr id="20484" name="Rectangle 3"/>
+          <p:cNvSpPr>
+            <a:spLocks noGrp="1" noChangeArrowheads="1"/>
+          </p:cNvSpPr>
+          <p:nvPr>
+            <p:ph type="body" idx="1"/>
+          </p:nvPr>
+        </p:nvSpPr>
+        <p:spPr bwMode="auto">
+          <a:noFill/>
+          <a:extLst>
+            <a:ext uri="{909E8E84-426E-40DD-AFC4-6F175D3DCCD1}">
+              <a14:hiddenFill xmlns:a14="http://schemas.microsoft.com/office/drawing/2010/main">
+                <a:solidFill>
+                  <a:srgbClr val="FFFFFF"/>
+                </a:solidFill>
+              </a14:hiddenFill>
+            </a:ext>
+            <a:ext uri="{91240B29-F687-4F45-9708-019B960494DF}">
+              <a14:hiddenLine xmlns:a14="http://schemas.microsoft.com/office/drawing/2010/main" w="9525">
+                <a:solidFill>
+                  <a:srgbClr val="000000"/>
+                </a:solidFill>
+                <a:miter lim="800000"/>
+                <a:headEnd/>
+                <a:tailEnd/>
+              </a14:hiddenLine>
+            </a:ext>
+          </a:extLst>
+        </p:spPr>
+        <p:txBody>
+          <a:bodyPr wrap="square" numCol="1" anchor="t" anchorCtr="0" compatLnSpc="1">
+            <a:prstTxWarp prst="textNoShape">
+              <a:avLst/>
+            </a:prstTxWarp>
+          </a:bodyPr>
+          <a:lstStyle/>
+          <a:p>
+            <a:pPr eaLnBrk="1" hangingPunct="1">
+              <a:spcBef>
+                <a:spcPct val="0"/>
+              </a:spcBef>
+            </a:pPr>
+            <a:endParaRPr lang="en-US"/>
+          </a:p>
+        </p:txBody>
+      </p:sp>
+    </p:spTree>
+  </p:cSld>
+  <p:clrMapOvr>
+    <a:masterClrMapping/>
+  </p:clrMapOvr>
+</p:notes>
+</file>
+
+<file path=ppt/notesSlides/notesSlide2.xml><?xml version="1.0" encoding="utf-8"?>
+<p:notes xmlns:a="http://schemas.openxmlformats.org/drawingml/2006/main" xmlns:r="http://schemas.openxmlformats.org/officeDocument/2006/relationships" xmlns:p="http://schemas.openxmlformats.org/presentationml/2006/main">
+  <p:cSld>
+    <p:spTree>
+      <p:nvGrpSpPr>
+        <p:cNvPr id="1" name=""/>
+        <p:cNvGrpSpPr/>
+        <p:nvPr/>
+      </p:nvGrpSpPr>
+      <p:grpSpPr>
+        <a:xfrm>
+          <a:off x="0" y="0"/>
+          <a:ext cx="0" cy="0"/>
+          <a:chOff x="0" y="0"/>
+          <a:chExt cx="0" cy="0"/>
+        </a:xfrm>
+      </p:grpSpPr>
+      <p:sp>
+        <p:nvSpPr>
+          <p:cNvPr id="2" name="Slide Image Placeholder 1"/>
+          <p:cNvSpPr>
+            <a:spLocks noGrp="1" noRot="1" noChangeAspect="1"/>
+          </p:cNvSpPr>
+          <p:nvPr>
+            <p:ph type="sldImg"/>
+          </p:nvPr>
+        </p:nvSpPr>
+        <p:spPr/>
+      </p:sp>
+      <p:sp>
+        <p:nvSpPr>
+          <p:cNvPr id="3" name="Notes Placeholder 2"/>
+          <p:cNvSpPr>
+            <a:spLocks noGrp="1"/>
+          </p:cNvSpPr>
+          <p:nvPr>
+            <p:ph type="body" idx="1"/>
+          </p:nvPr>
+        </p:nvSpPr>
+        <p:spPr/>
+        <p:txBody>
+          <a:bodyPr/>
+          <a:lstStyle/>
+          <a:p>
+            <a:r>
+              <a:rPr lang="en-US" dirty="0"/>
+              <a:t>Demonstrate use of google scholar</a:t>
+            </a:r>
+          </a:p>
+        </p:txBody>
+      </p:sp>
+      <p:sp>
+        <p:nvSpPr>
+          <p:cNvPr id="4" name="Slide Number Placeholder 3"/>
+          <p:cNvSpPr>
+            <a:spLocks noGrp="1"/>
+          </p:cNvSpPr>
+          <p:nvPr>
+            <p:ph type="sldNum" sz="quarter" idx="5"/>
+          </p:nvPr>
+        </p:nvSpPr>
+        <p:spPr/>
+        <p:txBody>
+          <a:bodyPr/>
+          <a:lstStyle/>
+          <a:p>
+            <a:pPr>
+              <a:defRPr/>
+            </a:pPr>
+            <a:fld id="{A209961E-0A26-45CB-B2A9-D09862605DC9}" type="slidenum">
+              <a:rPr lang="en-US" smtClean="0"/>
+              <a:pPr>
+                <a:defRPr/>
+              </a:pPr>
+              <a:t>17</a:t>
+            </a:fld>
+            <a:endParaRPr lang="en-US"/>
+          </a:p>
+        </p:txBody>
+      </p:sp>
+    </p:spTree>
+    <p:extLst>
+      <p:ext uri="{BB962C8B-B14F-4D97-AF65-F5344CB8AC3E}">
+        <p14:creationId xmlns:p14="http://schemas.microsoft.com/office/powerpoint/2010/main" val="3274714405"/>
+      </p:ext>
+    </p:extLst>
+  </p:cSld>
+  <p:clrMapOvr>
+    <a:masterClrMapping/>
+  </p:clrMapOvr>
+</p:notes>
+</file>
+
 <file path=ppt/slideLayouts/slideLayout1.xml><?xml version="1.0" encoding="utf-8"?>
 <p:sldLayout xmlns:a="http://schemas.openxmlformats.org/drawingml/2006/main" xmlns:r="http://schemas.openxmlformats.org/officeDocument/2006/relationships" xmlns:p="http://schemas.openxmlformats.org/presentationml/2006/main" type="title" preserve="1">
   <p:cSld name="Title Slide">
@@ -620,7 +987,7 @@
           <a:p>
             <a:fld id="{2031FF97-7202-4846-BECC-3E8C42FA3EFA}" type="datetimeFigureOut">
               <a:rPr lang="en-US" smtClean="0"/>
-              <a:t>1/11/2024</a:t>
+              <a:t>1/16/2024</a:t>
             </a:fld>
             <a:endParaRPr lang="en-US"/>
           </a:p>
@@ -818,7 +1185,7 @@
           <a:p>
             <a:fld id="{2031FF97-7202-4846-BECC-3E8C42FA3EFA}" type="datetimeFigureOut">
               <a:rPr lang="en-US" smtClean="0"/>
-              <a:t>1/11/2024</a:t>
+              <a:t>1/16/2024</a:t>
             </a:fld>
             <a:endParaRPr lang="en-US"/>
           </a:p>
@@ -1026,7 +1393,7 @@
           <a:p>
             <a:fld id="{2031FF97-7202-4846-BECC-3E8C42FA3EFA}" type="datetimeFigureOut">
               <a:rPr lang="en-US" smtClean="0"/>
-              <a:t>1/11/2024</a:t>
+              <a:t>1/16/2024</a:t>
             </a:fld>
             <a:endParaRPr lang="en-US"/>
           </a:p>
@@ -1224,7 +1591,7 @@
           <a:p>
             <a:fld id="{2031FF97-7202-4846-BECC-3E8C42FA3EFA}" type="datetimeFigureOut">
               <a:rPr lang="en-US" smtClean="0"/>
-              <a:t>1/11/2024</a:t>
+              <a:t>1/16/2024</a:t>
             </a:fld>
             <a:endParaRPr lang="en-US"/>
           </a:p>
@@ -1499,7 +1866,7 @@
           <a:p>
             <a:fld id="{2031FF97-7202-4846-BECC-3E8C42FA3EFA}" type="datetimeFigureOut">
               <a:rPr lang="en-US" smtClean="0"/>
-              <a:t>1/11/2024</a:t>
+              <a:t>1/16/2024</a:t>
             </a:fld>
             <a:endParaRPr lang="en-US"/>
           </a:p>
@@ -1764,7 +2131,7 @@
           <a:p>
             <a:fld id="{2031FF97-7202-4846-BECC-3E8C42FA3EFA}" type="datetimeFigureOut">
               <a:rPr lang="en-US" smtClean="0"/>
-              <a:t>1/11/2024</a:t>
+              <a:t>1/16/2024</a:t>
             </a:fld>
             <a:endParaRPr lang="en-US"/>
           </a:p>
@@ -2176,7 +2543,7 @@
           <a:p>
             <a:fld id="{2031FF97-7202-4846-BECC-3E8C42FA3EFA}" type="datetimeFigureOut">
               <a:rPr lang="en-US" smtClean="0"/>
-              <a:t>1/11/2024</a:t>
+              <a:t>1/16/2024</a:t>
             </a:fld>
             <a:endParaRPr lang="en-US"/>
           </a:p>
@@ -2317,7 +2684,7 @@
           <a:p>
             <a:fld id="{2031FF97-7202-4846-BECC-3E8C42FA3EFA}" type="datetimeFigureOut">
               <a:rPr lang="en-US" smtClean="0"/>
-              <a:t>1/11/2024</a:t>
+              <a:t>1/16/2024</a:t>
             </a:fld>
             <a:endParaRPr lang="en-US"/>
           </a:p>
@@ -2430,7 +2797,7 @@
           <a:p>
             <a:fld id="{2031FF97-7202-4846-BECC-3E8C42FA3EFA}" type="datetimeFigureOut">
               <a:rPr lang="en-US" smtClean="0"/>
-              <a:t>1/11/2024</a:t>
+              <a:t>1/16/2024</a:t>
             </a:fld>
             <a:endParaRPr lang="en-US"/>
           </a:p>
@@ -2741,7 +3108,7 @@
           <a:p>
             <a:fld id="{2031FF97-7202-4846-BECC-3E8C42FA3EFA}" type="datetimeFigureOut">
               <a:rPr lang="en-US" smtClean="0"/>
-              <a:t>1/11/2024</a:t>
+              <a:t>1/16/2024</a:t>
             </a:fld>
             <a:endParaRPr lang="en-US"/>
           </a:p>
@@ -3029,7 +3396,7 @@
           <a:p>
             <a:fld id="{2031FF97-7202-4846-BECC-3E8C42FA3EFA}" type="datetimeFigureOut">
               <a:rPr lang="en-US" smtClean="0"/>
-              <a:t>1/11/2024</a:t>
+              <a:t>1/16/2024</a:t>
             </a:fld>
             <a:endParaRPr lang="en-US"/>
           </a:p>
@@ -3270,7 +3637,7 @@
           <a:p>
             <a:fld id="{2031FF97-7202-4846-BECC-3E8C42FA3EFA}" type="datetimeFigureOut">
               <a:rPr lang="en-US" smtClean="0"/>
-              <a:t>1/11/2024</a:t>
+              <a:t>1/16/2024</a:t>
             </a:fld>
             <a:endParaRPr lang="en-US"/>
           </a:p>
@@ -3882,13 +4249,15 @@
           <a:p>
             <a:r>
               <a:rPr lang="en-US" dirty="0"/>
-              <a:t>Chapter 7</a:t>
-            </a:r>
-            <a:r>
-              <a:rPr lang="en-US"/>
-              <a:t>, Within-participants design</a:t>
-            </a:r>
-            <a:endParaRPr lang="en-US" dirty="0"/>
+              <a:t>Chapter 7, Within-participants design</a:t>
+            </a:r>
+          </a:p>
+          <a:p>
+            <a:pPr lvl="1"/>
+            <a:r>
+              <a:rPr lang="en-US" dirty="0"/>
+              <a:t>Short assignment</a:t>
+            </a:r>
           </a:p>
           <a:p>
             <a:endParaRPr lang="en-US" dirty="0"/>
@@ -3929,6 +4298,1366 @@
     <p:extLst>
       <p:ext uri="{BB962C8B-B14F-4D97-AF65-F5344CB8AC3E}">
         <p14:creationId xmlns:p14="http://schemas.microsoft.com/office/powerpoint/2010/main" val="3851446801"/>
+      </p:ext>
+    </p:extLst>
+  </p:cSld>
+  <p:clrMapOvr>
+    <a:masterClrMapping/>
+  </p:clrMapOvr>
+</p:sld>
+</file>
+
+<file path=ppt/slides/slide11.xml><?xml version="1.0" encoding="utf-8"?>
+<p:sld xmlns:a="http://schemas.openxmlformats.org/drawingml/2006/main" xmlns:r="http://schemas.openxmlformats.org/officeDocument/2006/relationships" xmlns:p="http://schemas.openxmlformats.org/presentationml/2006/main">
+  <p:cSld>
+    <p:spTree>
+      <p:nvGrpSpPr>
+        <p:cNvPr id="1" name=""/>
+        <p:cNvGrpSpPr/>
+        <p:nvPr/>
+      </p:nvGrpSpPr>
+      <p:grpSpPr>
+        <a:xfrm>
+          <a:off x="0" y="0"/>
+          <a:ext cx="0" cy="0"/>
+          <a:chOff x="0" y="0"/>
+          <a:chExt cx="0" cy="0"/>
+        </a:xfrm>
+      </p:grpSpPr>
+      <p:sp>
+        <p:nvSpPr>
+          <p:cNvPr id="4" name="Title 3">
+            <a:extLst>
+              <a:ext uri="{FF2B5EF4-FFF2-40B4-BE49-F238E27FC236}">
+                <a16:creationId xmlns:a16="http://schemas.microsoft.com/office/drawing/2014/main" id="{F2293A00-3EC3-CFDC-8A4F-96C1CFE5618C}"/>
+              </a:ext>
+            </a:extLst>
+          </p:cNvPr>
+          <p:cNvSpPr>
+            <a:spLocks noGrp="1"/>
+          </p:cNvSpPr>
+          <p:nvPr>
+            <p:ph type="title"/>
+          </p:nvPr>
+        </p:nvSpPr>
+        <p:spPr/>
+        <p:txBody>
+          <a:bodyPr/>
+          <a:lstStyle/>
+          <a:p>
+            <a:r>
+              <a:rPr lang="en-US" dirty="0"/>
+              <a:t>205 Jan 17, Class 7</a:t>
+            </a:r>
+          </a:p>
+        </p:txBody>
+      </p:sp>
+      <p:sp>
+        <p:nvSpPr>
+          <p:cNvPr id="5" name="Content Placeholder 4">
+            <a:extLst>
+              <a:ext uri="{FF2B5EF4-FFF2-40B4-BE49-F238E27FC236}">
+                <a16:creationId xmlns:a16="http://schemas.microsoft.com/office/drawing/2014/main" id="{405614F5-EFDE-F44F-64AF-69517B6A47A5}"/>
+              </a:ext>
+            </a:extLst>
+          </p:cNvPr>
+          <p:cNvSpPr>
+            <a:spLocks noGrp="1"/>
+          </p:cNvSpPr>
+          <p:nvPr>
+            <p:ph idx="1"/>
+          </p:nvPr>
+        </p:nvSpPr>
+        <p:spPr/>
+        <p:txBody>
+          <a:bodyPr/>
+          <a:lstStyle/>
+          <a:p>
+            <a:r>
+              <a:rPr lang="en-US" dirty="0"/>
+              <a:t>Chapter 6, APA format writing</a:t>
+            </a:r>
+          </a:p>
+          <a:p>
+            <a:endParaRPr lang="en-US" dirty="0"/>
+          </a:p>
+          <a:p>
+            <a:r>
+              <a:rPr lang="en-US" dirty="0"/>
+              <a:t>Experiment 1 Methodology details</a:t>
+            </a:r>
+          </a:p>
+          <a:p>
+            <a:endParaRPr lang="en-US" dirty="0"/>
+          </a:p>
+          <a:p>
+            <a:r>
+              <a:rPr lang="en-US" dirty="0"/>
+              <a:t>First writeup specific guidelines</a:t>
+            </a:r>
+          </a:p>
+          <a:p>
+            <a:pPr marL="457200" lvl="1" indent="0">
+              <a:buNone/>
+            </a:pPr>
+            <a:endParaRPr lang="en-US" dirty="0"/>
+          </a:p>
+        </p:txBody>
+      </p:sp>
+    </p:spTree>
+    <p:extLst>
+      <p:ext uri="{BB962C8B-B14F-4D97-AF65-F5344CB8AC3E}">
+        <p14:creationId xmlns:p14="http://schemas.microsoft.com/office/powerpoint/2010/main" val="561510138"/>
+      </p:ext>
+    </p:extLst>
+  </p:cSld>
+  <p:clrMapOvr>
+    <a:masterClrMapping/>
+  </p:clrMapOvr>
+</p:sld>
+</file>
+
+<file path=ppt/slides/slide12.xml><?xml version="1.0" encoding="utf-8"?>
+<p:sld xmlns:a="http://schemas.openxmlformats.org/drawingml/2006/main" xmlns:r="http://schemas.openxmlformats.org/officeDocument/2006/relationships" xmlns:p="http://schemas.openxmlformats.org/presentationml/2006/main">
+  <p:cSld>
+    <p:spTree>
+      <p:nvGrpSpPr>
+        <p:cNvPr id="1" name=""/>
+        <p:cNvGrpSpPr/>
+        <p:nvPr/>
+      </p:nvGrpSpPr>
+      <p:grpSpPr>
+        <a:xfrm>
+          <a:off x="0" y="0"/>
+          <a:ext cx="0" cy="0"/>
+          <a:chOff x="0" y="0"/>
+          <a:chExt cx="0" cy="0"/>
+        </a:xfrm>
+      </p:grpSpPr>
+      <p:sp>
+        <p:nvSpPr>
+          <p:cNvPr id="10242" name="Rectangle 2"/>
+          <p:cNvSpPr>
+            <a:spLocks noGrp="1" noChangeArrowheads="1"/>
+          </p:cNvSpPr>
+          <p:nvPr>
+            <p:ph type="title"/>
+          </p:nvPr>
+        </p:nvSpPr>
+        <p:spPr/>
+        <p:txBody>
+          <a:bodyPr/>
+          <a:lstStyle/>
+          <a:p>
+            <a:pPr eaLnBrk="1" hangingPunct="1"/>
+            <a:r>
+              <a:rPr lang="en-US" dirty="0"/>
+              <a:t>APA Report Sections</a:t>
+            </a:r>
+          </a:p>
+        </p:txBody>
+      </p:sp>
+      <p:sp>
+        <p:nvSpPr>
+          <p:cNvPr id="10243" name="Rectangle 3"/>
+          <p:cNvSpPr>
+            <a:spLocks noGrp="1" noChangeArrowheads="1"/>
+          </p:cNvSpPr>
+          <p:nvPr>
+            <p:ph type="body" idx="1"/>
+          </p:nvPr>
+        </p:nvSpPr>
+        <p:spPr/>
+        <p:txBody>
+          <a:bodyPr>
+            <a:normAutofit lnSpcReduction="10000"/>
+          </a:bodyPr>
+          <a:lstStyle/>
+          <a:p>
+            <a:pPr eaLnBrk="1" hangingPunct="1">
+              <a:lnSpc>
+                <a:spcPct val="80000"/>
+              </a:lnSpc>
+            </a:pPr>
+            <a:r>
+              <a:rPr lang="en-US" dirty="0"/>
+              <a:t>Abstract</a:t>
+            </a:r>
+          </a:p>
+          <a:p>
+            <a:pPr lvl="1" eaLnBrk="1" hangingPunct="1">
+              <a:lnSpc>
+                <a:spcPct val="80000"/>
+              </a:lnSpc>
+            </a:pPr>
+            <a:r>
+              <a:rPr lang="en-US" dirty="0"/>
+              <a:t>Very concise summary, ~200 words</a:t>
+            </a:r>
+          </a:p>
+          <a:p>
+            <a:pPr eaLnBrk="1" hangingPunct="1">
+              <a:lnSpc>
+                <a:spcPct val="80000"/>
+              </a:lnSpc>
+            </a:pPr>
+            <a:r>
+              <a:rPr lang="en-US" dirty="0"/>
+              <a:t>Introduction</a:t>
+            </a:r>
+          </a:p>
+          <a:p>
+            <a:pPr lvl="1" eaLnBrk="1" hangingPunct="1">
+              <a:lnSpc>
+                <a:spcPct val="80000"/>
+              </a:lnSpc>
+            </a:pPr>
+            <a:r>
+              <a:rPr lang="en-US" dirty="0"/>
+              <a:t>Construct, background, hypothesis</a:t>
+            </a:r>
+          </a:p>
+          <a:p>
+            <a:pPr eaLnBrk="1" hangingPunct="1">
+              <a:lnSpc>
+                <a:spcPct val="80000"/>
+              </a:lnSpc>
+            </a:pPr>
+            <a:r>
+              <a:rPr lang="en-US" dirty="0"/>
+              <a:t>Methods</a:t>
+            </a:r>
+          </a:p>
+          <a:p>
+            <a:pPr lvl="1" eaLnBrk="1" hangingPunct="1">
+              <a:lnSpc>
+                <a:spcPct val="80000"/>
+              </a:lnSpc>
+            </a:pPr>
+            <a:r>
+              <a:rPr lang="en-US" dirty="0"/>
+              <a:t>Participants, materials, procedure</a:t>
+            </a:r>
+          </a:p>
+          <a:p>
+            <a:pPr eaLnBrk="1" hangingPunct="1">
+              <a:lnSpc>
+                <a:spcPct val="80000"/>
+              </a:lnSpc>
+            </a:pPr>
+            <a:r>
+              <a:rPr lang="en-US" dirty="0"/>
+              <a:t>Results</a:t>
+            </a:r>
+          </a:p>
+          <a:p>
+            <a:pPr lvl="1" eaLnBrk="1" hangingPunct="1">
+              <a:lnSpc>
+                <a:spcPct val="80000"/>
+              </a:lnSpc>
+            </a:pPr>
+            <a:r>
+              <a:rPr lang="en-US" dirty="0"/>
+              <a:t>Figure</a:t>
+            </a:r>
+          </a:p>
+          <a:p>
+            <a:pPr eaLnBrk="1" hangingPunct="1">
+              <a:lnSpc>
+                <a:spcPct val="80000"/>
+              </a:lnSpc>
+            </a:pPr>
+            <a:r>
+              <a:rPr lang="en-US" dirty="0"/>
+              <a:t>Discussion</a:t>
+            </a:r>
+          </a:p>
+          <a:p>
+            <a:pPr lvl="1" eaLnBrk="1" hangingPunct="1">
+              <a:lnSpc>
+                <a:spcPct val="80000"/>
+              </a:lnSpc>
+            </a:pPr>
+            <a:r>
+              <a:rPr lang="en-US" dirty="0"/>
+              <a:t>Conclusion, interpretation, limitations</a:t>
+            </a:r>
+          </a:p>
+          <a:p>
+            <a:pPr eaLnBrk="1" hangingPunct="1">
+              <a:lnSpc>
+                <a:spcPct val="80000"/>
+              </a:lnSpc>
+            </a:pPr>
+            <a:r>
+              <a:rPr lang="en-US" dirty="0"/>
+              <a:t>References</a:t>
+            </a:r>
+          </a:p>
+        </p:txBody>
+      </p:sp>
+    </p:spTree>
+  </p:cSld>
+  <p:clrMapOvr>
+    <a:masterClrMapping/>
+  </p:clrMapOvr>
+</p:sld>
+</file>
+
+<file path=ppt/slides/slide13.xml><?xml version="1.0" encoding="utf-8"?>
+<p:sld xmlns:a="http://schemas.openxmlformats.org/drawingml/2006/main" xmlns:r="http://schemas.openxmlformats.org/officeDocument/2006/relationships" xmlns:p="http://schemas.openxmlformats.org/presentationml/2006/main">
+  <p:cSld>
+    <p:spTree>
+      <p:nvGrpSpPr>
+        <p:cNvPr id="1" name=""/>
+        <p:cNvGrpSpPr/>
+        <p:nvPr/>
+      </p:nvGrpSpPr>
+      <p:grpSpPr>
+        <a:xfrm>
+          <a:off x="0" y="0"/>
+          <a:ext cx="0" cy="0"/>
+          <a:chOff x="0" y="0"/>
+          <a:chExt cx="0" cy="0"/>
+        </a:xfrm>
+      </p:grpSpPr>
+      <p:sp>
+        <p:nvSpPr>
+          <p:cNvPr id="2" name="Title 1">
+            <a:extLst>
+              <a:ext uri="{FF2B5EF4-FFF2-40B4-BE49-F238E27FC236}">
+                <a16:creationId xmlns:a16="http://schemas.microsoft.com/office/drawing/2014/main" id="{54B3237A-F255-4592-8221-15CA355CC938}"/>
+              </a:ext>
+            </a:extLst>
+          </p:cNvPr>
+          <p:cNvSpPr>
+            <a:spLocks noGrp="1"/>
+          </p:cNvSpPr>
+          <p:nvPr>
+            <p:ph type="title"/>
+          </p:nvPr>
+        </p:nvSpPr>
+        <p:spPr/>
+        <p:txBody>
+          <a:bodyPr/>
+          <a:lstStyle/>
+          <a:p>
+            <a:r>
+              <a:rPr lang="en-US" dirty="0"/>
+              <a:t>APA Format: Methods</a:t>
+            </a:r>
+          </a:p>
+        </p:txBody>
+      </p:sp>
+      <p:sp>
+        <p:nvSpPr>
+          <p:cNvPr id="3" name="Content Placeholder 2">
+            <a:extLst>
+              <a:ext uri="{FF2B5EF4-FFF2-40B4-BE49-F238E27FC236}">
+                <a16:creationId xmlns:a16="http://schemas.microsoft.com/office/drawing/2014/main" id="{4143DCF7-7607-4442-AA51-DFF2ABB95BC9}"/>
+              </a:ext>
+            </a:extLst>
+          </p:cNvPr>
+          <p:cNvSpPr>
+            <a:spLocks noGrp="1"/>
+          </p:cNvSpPr>
+          <p:nvPr>
+            <p:ph idx="1"/>
+          </p:nvPr>
+        </p:nvSpPr>
+        <p:spPr/>
+        <p:txBody>
+          <a:bodyPr/>
+          <a:lstStyle/>
+          <a:p>
+            <a:pPr algn="l"/>
+            <a:r>
+              <a:rPr lang="en-US" dirty="0">
+                <a:solidFill>
+                  <a:srgbClr val="2D3B45"/>
+                </a:solidFill>
+                <a:latin typeface="Lato Extended"/>
+              </a:rPr>
+              <a:t>Which of the following is the main goal of the </a:t>
+            </a:r>
+            <a:r>
+              <a:rPr lang="en-US" b="1" dirty="0">
+                <a:solidFill>
+                  <a:srgbClr val="2D3B45"/>
+                </a:solidFill>
+                <a:latin typeface="Lato Extended"/>
+              </a:rPr>
+              <a:t>Methods</a:t>
+            </a:r>
+            <a:r>
+              <a:rPr lang="en-US" dirty="0">
+                <a:solidFill>
+                  <a:srgbClr val="2D3B45"/>
+                </a:solidFill>
+                <a:latin typeface="Lato Extended"/>
+              </a:rPr>
+              <a:t> section of a research report?</a:t>
+            </a:r>
+          </a:p>
+          <a:p>
+            <a:pPr lvl="1"/>
+            <a:r>
+              <a:rPr lang="en-US" dirty="0">
+                <a:solidFill>
+                  <a:srgbClr val="2D3B45"/>
+                </a:solidFill>
+                <a:latin typeface="Lato Extended"/>
+              </a:rPr>
+              <a:t>a. Meticulously articulate how you analyzed the data.</a:t>
+            </a:r>
+          </a:p>
+          <a:p>
+            <a:pPr lvl="1"/>
+            <a:r>
+              <a:rPr lang="en-US" dirty="0">
+                <a:solidFill>
+                  <a:srgbClr val="2D3B45"/>
+                </a:solidFill>
+                <a:latin typeface="Lato Extended"/>
+              </a:rPr>
+              <a:t>b. Provide enough detail to allow an independent researcher to replicate your study.</a:t>
+            </a:r>
+          </a:p>
+          <a:p>
+            <a:pPr lvl="1"/>
+            <a:r>
+              <a:rPr lang="en-US" dirty="0">
+                <a:solidFill>
+                  <a:srgbClr val="2D3B45"/>
+                </a:solidFill>
+                <a:latin typeface="Lato Extended"/>
+              </a:rPr>
+              <a:t>c. Outline the demographic information of your participants so that reviewers can access the generalizability of your research.</a:t>
+            </a:r>
+          </a:p>
+          <a:p>
+            <a:pPr lvl="1"/>
+            <a:r>
+              <a:rPr lang="en-US" dirty="0">
+                <a:solidFill>
+                  <a:srgbClr val="2D3B45"/>
+                </a:solidFill>
+                <a:latin typeface="Lato Extended"/>
+              </a:rPr>
+              <a:t>d. Discuss the procedure you used so that readers can decide for themselves if your protocol is biased.</a:t>
+            </a:r>
+          </a:p>
+          <a:p>
+            <a:pPr marL="0" indent="0">
+              <a:buNone/>
+            </a:pPr>
+            <a:endParaRPr lang="en-US" dirty="0"/>
+          </a:p>
+        </p:txBody>
+      </p:sp>
+    </p:spTree>
+    <p:extLst>
+      <p:ext uri="{BB962C8B-B14F-4D97-AF65-F5344CB8AC3E}">
+        <p14:creationId xmlns:p14="http://schemas.microsoft.com/office/powerpoint/2010/main" val="2039985695"/>
+      </p:ext>
+    </p:extLst>
+  </p:cSld>
+  <p:clrMapOvr>
+    <a:masterClrMapping/>
+  </p:clrMapOvr>
+</p:sld>
+</file>
+
+<file path=ppt/slides/slide14.xml><?xml version="1.0" encoding="utf-8"?>
+<p:sld xmlns:a="http://schemas.openxmlformats.org/drawingml/2006/main" xmlns:r="http://schemas.openxmlformats.org/officeDocument/2006/relationships" xmlns:p="http://schemas.openxmlformats.org/presentationml/2006/main">
+  <p:cSld>
+    <p:spTree>
+      <p:nvGrpSpPr>
+        <p:cNvPr id="1" name=""/>
+        <p:cNvGrpSpPr/>
+        <p:nvPr/>
+      </p:nvGrpSpPr>
+      <p:grpSpPr>
+        <a:xfrm>
+          <a:off x="0" y="0"/>
+          <a:ext cx="0" cy="0"/>
+          <a:chOff x="0" y="0"/>
+          <a:chExt cx="0" cy="0"/>
+        </a:xfrm>
+      </p:grpSpPr>
+      <p:sp>
+        <p:nvSpPr>
+          <p:cNvPr id="2" name="Title 1">
+            <a:extLst>
+              <a:ext uri="{FF2B5EF4-FFF2-40B4-BE49-F238E27FC236}">
+                <a16:creationId xmlns:a16="http://schemas.microsoft.com/office/drawing/2014/main" id="{2E340C15-2283-432F-93E4-01054C37BA58}"/>
+              </a:ext>
+            </a:extLst>
+          </p:cNvPr>
+          <p:cNvSpPr>
+            <a:spLocks noGrp="1"/>
+          </p:cNvSpPr>
+          <p:nvPr>
+            <p:ph type="title"/>
+          </p:nvPr>
+        </p:nvSpPr>
+        <p:spPr/>
+        <p:txBody>
+          <a:bodyPr/>
+          <a:lstStyle/>
+          <a:p>
+            <a:r>
+              <a:rPr lang="en-US" dirty="0"/>
+              <a:t>APA Format: Results</a:t>
+            </a:r>
+          </a:p>
+        </p:txBody>
+      </p:sp>
+      <p:sp>
+        <p:nvSpPr>
+          <p:cNvPr id="3" name="Content Placeholder 2">
+            <a:extLst>
+              <a:ext uri="{FF2B5EF4-FFF2-40B4-BE49-F238E27FC236}">
+                <a16:creationId xmlns:a16="http://schemas.microsoft.com/office/drawing/2014/main" id="{9DD541CE-646D-40C1-8278-FC11E15B151B}"/>
+              </a:ext>
+            </a:extLst>
+          </p:cNvPr>
+          <p:cNvSpPr>
+            <a:spLocks noGrp="1"/>
+          </p:cNvSpPr>
+          <p:nvPr>
+            <p:ph idx="1"/>
+          </p:nvPr>
+        </p:nvSpPr>
+        <p:spPr/>
+        <p:txBody>
+          <a:bodyPr/>
+          <a:lstStyle/>
+          <a:p>
+            <a:r>
+              <a:rPr lang="en-US" dirty="0">
+                <a:solidFill>
+                  <a:srgbClr val="2D3B45"/>
+                </a:solidFill>
+                <a:latin typeface="Lato Extended"/>
+              </a:rPr>
+              <a:t>Which of the following is usually beyond the scope of the </a:t>
+            </a:r>
+            <a:r>
+              <a:rPr lang="en-US" b="1" dirty="0">
+                <a:solidFill>
+                  <a:srgbClr val="2D3B45"/>
+                </a:solidFill>
+                <a:latin typeface="Lato Extended"/>
+              </a:rPr>
+              <a:t>Results</a:t>
+            </a:r>
+            <a:r>
+              <a:rPr lang="en-US" dirty="0">
+                <a:solidFill>
+                  <a:srgbClr val="2D3B45"/>
+                </a:solidFill>
+                <a:latin typeface="Lato Extended"/>
+              </a:rPr>
+              <a:t> section of a quantitative research report?</a:t>
+            </a:r>
+          </a:p>
+          <a:p>
+            <a:pPr lvl="1"/>
+            <a:r>
+              <a:rPr lang="en-US" dirty="0">
+                <a:solidFill>
+                  <a:srgbClr val="2D3B45"/>
+                </a:solidFill>
+                <a:latin typeface="Lato Extended"/>
+              </a:rPr>
+              <a:t>a. Discussing what statistical techniques were used</a:t>
+            </a:r>
+          </a:p>
+          <a:p>
+            <a:pPr lvl="1"/>
+            <a:r>
+              <a:rPr lang="en-US" dirty="0">
+                <a:solidFill>
+                  <a:srgbClr val="2D3B45"/>
+                </a:solidFill>
+                <a:latin typeface="Lato Extended"/>
+              </a:rPr>
+              <a:t>b. Presenting figures and/or tables to portray the data</a:t>
+            </a:r>
+          </a:p>
+          <a:p>
+            <a:pPr lvl="1"/>
+            <a:r>
+              <a:rPr lang="en-US" dirty="0">
+                <a:solidFill>
+                  <a:srgbClr val="2D3B45"/>
+                </a:solidFill>
+                <a:latin typeface="Lato Extended"/>
+              </a:rPr>
+              <a:t>c. Providing detailed interpretation of the implications based on the data</a:t>
+            </a:r>
+          </a:p>
+          <a:p>
+            <a:pPr lvl="1"/>
+            <a:r>
+              <a:rPr lang="en-US" dirty="0">
+                <a:solidFill>
+                  <a:srgbClr val="2D3B45"/>
+                </a:solidFill>
+                <a:latin typeface="Lato Extended"/>
+              </a:rPr>
+              <a:t>d. Presenting specific statistics that were generated from the data</a:t>
+            </a:r>
+            <a:endParaRPr lang="en-US" dirty="0"/>
+          </a:p>
+        </p:txBody>
+      </p:sp>
+    </p:spTree>
+    <p:extLst>
+      <p:ext uri="{BB962C8B-B14F-4D97-AF65-F5344CB8AC3E}">
+        <p14:creationId xmlns:p14="http://schemas.microsoft.com/office/powerpoint/2010/main" val="4091162529"/>
+      </p:ext>
+    </p:extLst>
+  </p:cSld>
+  <p:clrMapOvr>
+    <a:masterClrMapping/>
+  </p:clrMapOvr>
+</p:sld>
+</file>
+
+<file path=ppt/slides/slide15.xml><?xml version="1.0" encoding="utf-8"?>
+<p:sld xmlns:a="http://schemas.openxmlformats.org/drawingml/2006/main" xmlns:r="http://schemas.openxmlformats.org/officeDocument/2006/relationships" xmlns:p="http://schemas.openxmlformats.org/presentationml/2006/main">
+  <p:cSld>
+    <p:spTree>
+      <p:nvGrpSpPr>
+        <p:cNvPr id="1" name=""/>
+        <p:cNvGrpSpPr/>
+        <p:nvPr/>
+      </p:nvGrpSpPr>
+      <p:grpSpPr>
+        <a:xfrm>
+          <a:off x="0" y="0"/>
+          <a:ext cx="0" cy="0"/>
+          <a:chOff x="0" y="0"/>
+          <a:chExt cx="0" cy="0"/>
+        </a:xfrm>
+      </p:grpSpPr>
+      <p:sp>
+        <p:nvSpPr>
+          <p:cNvPr id="2" name="Title 1">
+            <a:extLst>
+              <a:ext uri="{FF2B5EF4-FFF2-40B4-BE49-F238E27FC236}">
+                <a16:creationId xmlns:a16="http://schemas.microsoft.com/office/drawing/2014/main" id="{7BCB36F9-34B5-4DD8-B815-B9978C465000}"/>
+              </a:ext>
+            </a:extLst>
+          </p:cNvPr>
+          <p:cNvSpPr>
+            <a:spLocks noGrp="1"/>
+          </p:cNvSpPr>
+          <p:nvPr>
+            <p:ph type="title"/>
+          </p:nvPr>
+        </p:nvSpPr>
+        <p:spPr/>
+        <p:txBody>
+          <a:bodyPr/>
+          <a:lstStyle/>
+          <a:p>
+            <a:r>
+              <a:rPr lang="en-US" dirty="0"/>
+              <a:t>APA Format: Discussion</a:t>
+            </a:r>
+          </a:p>
+        </p:txBody>
+      </p:sp>
+      <p:sp>
+        <p:nvSpPr>
+          <p:cNvPr id="3" name="Content Placeholder 2">
+            <a:extLst>
+              <a:ext uri="{FF2B5EF4-FFF2-40B4-BE49-F238E27FC236}">
+                <a16:creationId xmlns:a16="http://schemas.microsoft.com/office/drawing/2014/main" id="{1F51EAD1-F80E-42EF-93C3-13FA395A560C}"/>
+              </a:ext>
+            </a:extLst>
+          </p:cNvPr>
+          <p:cNvSpPr>
+            <a:spLocks noGrp="1"/>
+          </p:cNvSpPr>
+          <p:nvPr>
+            <p:ph idx="1"/>
+          </p:nvPr>
+        </p:nvSpPr>
+        <p:spPr/>
+        <p:txBody>
+          <a:bodyPr/>
+          <a:lstStyle/>
+          <a:p>
+            <a:r>
+              <a:rPr lang="en-US" dirty="0">
+                <a:solidFill>
+                  <a:srgbClr val="2D3B45"/>
+                </a:solidFill>
+                <a:latin typeface="Lato Extended"/>
+              </a:rPr>
+              <a:t>If you state alternative explanations in your discussion, which of the following should you also consider doing?</a:t>
+            </a:r>
+          </a:p>
+          <a:p>
+            <a:pPr lvl="1"/>
+            <a:r>
+              <a:rPr lang="en-US" dirty="0">
+                <a:solidFill>
+                  <a:srgbClr val="2D3B45"/>
+                </a:solidFill>
+                <a:latin typeface="Lato Extended"/>
+              </a:rPr>
+              <a:t>a. Tell readers why the alternative explanation falls short of the primary explanation</a:t>
+            </a:r>
+          </a:p>
+          <a:p>
+            <a:pPr lvl="1"/>
+            <a:r>
+              <a:rPr lang="en-US" dirty="0">
+                <a:solidFill>
+                  <a:srgbClr val="2D3B45"/>
+                </a:solidFill>
+                <a:latin typeface="Lato Extended"/>
+              </a:rPr>
+              <a:t>b. Conduct statistics tests to test them specifically</a:t>
+            </a:r>
+          </a:p>
+          <a:p>
+            <a:pPr lvl="1"/>
+            <a:r>
+              <a:rPr lang="en-US" dirty="0">
+                <a:solidFill>
+                  <a:srgbClr val="2D3B45"/>
+                </a:solidFill>
+                <a:latin typeface="Lato Extended"/>
+              </a:rPr>
+              <a:t>c. Include reviewer opinions of whether they think the alternative explanation is better or worse than the primary explanation</a:t>
+            </a:r>
+          </a:p>
+          <a:p>
+            <a:pPr lvl="1"/>
+            <a:r>
+              <a:rPr lang="en-US" dirty="0">
+                <a:solidFill>
+                  <a:srgbClr val="2D3B45"/>
+                </a:solidFill>
+                <a:latin typeface="Lato Extended"/>
+              </a:rPr>
+              <a:t>d. Present a literature review that would allow readers to conduct a follow-up study based on the alternative explanation</a:t>
+            </a:r>
+            <a:endParaRPr lang="en-US" dirty="0"/>
+          </a:p>
+        </p:txBody>
+      </p:sp>
+    </p:spTree>
+    <p:extLst>
+      <p:ext uri="{BB962C8B-B14F-4D97-AF65-F5344CB8AC3E}">
+        <p14:creationId xmlns:p14="http://schemas.microsoft.com/office/powerpoint/2010/main" val="2657282564"/>
+      </p:ext>
+    </p:extLst>
+  </p:cSld>
+  <p:clrMapOvr>
+    <a:masterClrMapping/>
+  </p:clrMapOvr>
+</p:sld>
+</file>
+
+<file path=ppt/slides/slide16.xml><?xml version="1.0" encoding="utf-8"?>
+<p:sld xmlns:a="http://schemas.openxmlformats.org/drawingml/2006/main" xmlns:r="http://schemas.openxmlformats.org/officeDocument/2006/relationships" xmlns:p="http://schemas.openxmlformats.org/presentationml/2006/main">
+  <p:cSld>
+    <p:spTree>
+      <p:nvGrpSpPr>
+        <p:cNvPr id="1" name=""/>
+        <p:cNvGrpSpPr/>
+        <p:nvPr/>
+      </p:nvGrpSpPr>
+      <p:grpSpPr>
+        <a:xfrm>
+          <a:off x="0" y="0"/>
+          <a:ext cx="0" cy="0"/>
+          <a:chOff x="0" y="0"/>
+          <a:chExt cx="0" cy="0"/>
+        </a:xfrm>
+      </p:grpSpPr>
+      <p:sp>
+        <p:nvSpPr>
+          <p:cNvPr id="2" name="Title 1">
+            <a:extLst>
+              <a:ext uri="{FF2B5EF4-FFF2-40B4-BE49-F238E27FC236}">
+                <a16:creationId xmlns:a16="http://schemas.microsoft.com/office/drawing/2014/main" id="{4A641DEE-73EC-42EC-8ACC-2B18F5CEEC19}"/>
+              </a:ext>
+            </a:extLst>
+          </p:cNvPr>
+          <p:cNvSpPr>
+            <a:spLocks noGrp="1"/>
+          </p:cNvSpPr>
+          <p:nvPr>
+            <p:ph type="title"/>
+          </p:nvPr>
+        </p:nvSpPr>
+        <p:spPr/>
+        <p:txBody>
+          <a:bodyPr/>
+          <a:lstStyle/>
+          <a:p>
+            <a:r>
+              <a:rPr lang="en-US" dirty="0"/>
+              <a:t>APA Writing with Style</a:t>
+            </a:r>
+          </a:p>
+        </p:txBody>
+      </p:sp>
+      <p:sp>
+        <p:nvSpPr>
+          <p:cNvPr id="3" name="Content Placeholder 2">
+            <a:extLst>
+              <a:ext uri="{FF2B5EF4-FFF2-40B4-BE49-F238E27FC236}">
+                <a16:creationId xmlns:a16="http://schemas.microsoft.com/office/drawing/2014/main" id="{079EA18E-AD6A-4127-BDBE-7DCA7E20BAE8}"/>
+              </a:ext>
+            </a:extLst>
+          </p:cNvPr>
+          <p:cNvSpPr>
+            <a:spLocks noGrp="1"/>
+          </p:cNvSpPr>
+          <p:nvPr>
+            <p:ph idx="1"/>
+          </p:nvPr>
+        </p:nvSpPr>
+        <p:spPr/>
+        <p:txBody>
+          <a:bodyPr/>
+          <a:lstStyle/>
+          <a:p>
+            <a:r>
+              <a:rPr lang="en-US" dirty="0">
+                <a:solidFill>
+                  <a:srgbClr val="2D3B45"/>
+                </a:solidFill>
+                <a:latin typeface="Lato Extended"/>
+              </a:rPr>
+              <a:t>What is the role played by answering the question “who will you write for” in writing a research report?  How should the answer influence the writing process?</a:t>
+            </a:r>
+          </a:p>
+          <a:p>
+            <a:pPr lvl="1"/>
+            <a:endParaRPr lang="en-US" dirty="0">
+              <a:solidFill>
+                <a:srgbClr val="2D3B45"/>
+              </a:solidFill>
+              <a:latin typeface="Lato Extended"/>
+            </a:endParaRPr>
+          </a:p>
+          <a:p>
+            <a:r>
+              <a:rPr lang="en-US" b="0" i="0" dirty="0">
+                <a:solidFill>
+                  <a:srgbClr val="2D3B45"/>
+                </a:solidFill>
+                <a:effectLst/>
+                <a:latin typeface="Lato Extended"/>
+              </a:rPr>
+              <a:t>Citing previous research</a:t>
+            </a:r>
+          </a:p>
+          <a:p>
+            <a:pPr lvl="1"/>
+            <a:r>
+              <a:rPr lang="en-US" dirty="0">
+                <a:solidFill>
+                  <a:srgbClr val="2D3B45"/>
+                </a:solidFill>
+                <a:latin typeface="Lato Extended"/>
+              </a:rPr>
+              <a:t>Craik &amp; Tulving (1972) proposed that better memory would research from more semantic engagement with the material being studied and termed this “deeper” processing.</a:t>
+            </a:r>
+            <a:endParaRPr lang="en-US" b="0" i="0" dirty="0">
+              <a:solidFill>
+                <a:srgbClr val="2D3B45"/>
+              </a:solidFill>
+              <a:effectLst/>
+              <a:latin typeface="Lato Extended"/>
+            </a:endParaRPr>
+          </a:p>
+          <a:p>
+            <a:endParaRPr lang="en-US" dirty="0"/>
+          </a:p>
+        </p:txBody>
+      </p:sp>
+    </p:spTree>
+    <p:extLst>
+      <p:ext uri="{BB962C8B-B14F-4D97-AF65-F5344CB8AC3E}">
+        <p14:creationId xmlns:p14="http://schemas.microsoft.com/office/powerpoint/2010/main" val="3408920399"/>
+      </p:ext>
+    </p:extLst>
+  </p:cSld>
+  <p:clrMapOvr>
+    <a:masterClrMapping/>
+  </p:clrMapOvr>
+</p:sld>
+</file>
+
+<file path=ppt/slides/slide17.xml><?xml version="1.0" encoding="utf-8"?>
+<p:sld xmlns:a="http://schemas.openxmlformats.org/drawingml/2006/main" xmlns:r="http://schemas.openxmlformats.org/officeDocument/2006/relationships" xmlns:p="http://schemas.openxmlformats.org/presentationml/2006/main">
+  <p:cSld>
+    <p:spTree>
+      <p:nvGrpSpPr>
+        <p:cNvPr id="1" name=""/>
+        <p:cNvGrpSpPr/>
+        <p:nvPr/>
+      </p:nvGrpSpPr>
+      <p:grpSpPr>
+        <a:xfrm>
+          <a:off x="0" y="0"/>
+          <a:ext cx="0" cy="0"/>
+          <a:chOff x="0" y="0"/>
+          <a:chExt cx="0" cy="0"/>
+        </a:xfrm>
+      </p:grpSpPr>
+      <p:sp>
+        <p:nvSpPr>
+          <p:cNvPr id="2" name="Title 1">
+            <a:extLst>
+              <a:ext uri="{FF2B5EF4-FFF2-40B4-BE49-F238E27FC236}">
+                <a16:creationId xmlns:a16="http://schemas.microsoft.com/office/drawing/2014/main" id="{99AE8C2B-BA5B-4F5F-A266-72BA398B2B4A}"/>
+              </a:ext>
+            </a:extLst>
+          </p:cNvPr>
+          <p:cNvSpPr>
+            <a:spLocks noGrp="1"/>
+          </p:cNvSpPr>
+          <p:nvPr>
+            <p:ph type="title"/>
+          </p:nvPr>
+        </p:nvSpPr>
+        <p:spPr/>
+        <p:txBody>
+          <a:bodyPr/>
+          <a:lstStyle/>
+          <a:p>
+            <a:r>
+              <a:rPr lang="en-US" dirty="0"/>
+              <a:t>Background literature</a:t>
+            </a:r>
+          </a:p>
+        </p:txBody>
+      </p:sp>
+      <p:sp>
+        <p:nvSpPr>
+          <p:cNvPr id="3" name="Content Placeholder 2">
+            <a:extLst>
+              <a:ext uri="{FF2B5EF4-FFF2-40B4-BE49-F238E27FC236}">
+                <a16:creationId xmlns:a16="http://schemas.microsoft.com/office/drawing/2014/main" id="{961E0421-28C0-42A9-938F-5EA1ACA38CA6}"/>
+              </a:ext>
+            </a:extLst>
+          </p:cNvPr>
+          <p:cNvSpPr>
+            <a:spLocks noGrp="1"/>
+          </p:cNvSpPr>
+          <p:nvPr>
+            <p:ph idx="1"/>
+          </p:nvPr>
+        </p:nvSpPr>
+        <p:spPr/>
+        <p:txBody>
+          <a:bodyPr/>
+          <a:lstStyle/>
+          <a:p>
+            <a:r>
+              <a:rPr lang="en-US" dirty="0"/>
+              <a:t>APA format for the References section</a:t>
+            </a:r>
+          </a:p>
+          <a:p>
+            <a:pPr lvl="1"/>
+            <a:r>
+              <a:rPr lang="en-US" sz="2400" dirty="0">
+                <a:solidFill>
+                  <a:srgbClr val="222222"/>
+                </a:solidFill>
+                <a:latin typeface="Arial" panose="020B0604020202020204" pitchFamily="34" charset="0"/>
+              </a:rPr>
+              <a:t>Craik, F. I. M., &amp; Lockhart, R. S. (1972). Levels of processing: A framework for memory research. </a:t>
+            </a:r>
+            <a:r>
+              <a:rPr lang="en-US" sz="2400" i="1" dirty="0">
+                <a:solidFill>
+                  <a:srgbClr val="222222"/>
+                </a:solidFill>
+                <a:latin typeface="Arial" panose="020B0604020202020204" pitchFamily="34" charset="0"/>
+              </a:rPr>
+              <a:t>Journal of verbal learning and verbal behavior</a:t>
+            </a:r>
+            <a:r>
+              <a:rPr lang="en-US" sz="2400" dirty="0">
+                <a:solidFill>
+                  <a:srgbClr val="222222"/>
+                </a:solidFill>
+                <a:latin typeface="Arial" panose="020B0604020202020204" pitchFamily="34" charset="0"/>
+              </a:rPr>
+              <a:t>, </a:t>
+            </a:r>
+            <a:r>
+              <a:rPr lang="en-US" sz="2400" i="1" dirty="0">
+                <a:solidFill>
+                  <a:srgbClr val="222222"/>
+                </a:solidFill>
+                <a:latin typeface="Arial" panose="020B0604020202020204" pitchFamily="34" charset="0"/>
+              </a:rPr>
+              <a:t>11</a:t>
+            </a:r>
+            <a:r>
+              <a:rPr lang="en-US" sz="2400" dirty="0">
+                <a:solidFill>
+                  <a:srgbClr val="222222"/>
+                </a:solidFill>
+                <a:latin typeface="Arial" panose="020B0604020202020204" pitchFamily="34" charset="0"/>
+              </a:rPr>
+              <a:t>(6), 671-684.</a:t>
+            </a:r>
+          </a:p>
+          <a:p>
+            <a:pPr lvl="1"/>
+            <a:r>
+              <a:rPr lang="en-US" sz="2400" dirty="0">
+                <a:solidFill>
+                  <a:srgbClr val="222222"/>
+                </a:solidFill>
+                <a:latin typeface="Arial" panose="020B0604020202020204" pitchFamily="34" charset="0"/>
+              </a:rPr>
+              <a:t>Craik, F. I. M., &amp; Tulving, E. (1975). Depth of processing and the retention of words in episodic memory. </a:t>
+            </a:r>
+            <a:r>
+              <a:rPr lang="en-US" sz="2400" i="1" dirty="0">
+                <a:solidFill>
+                  <a:srgbClr val="222222"/>
+                </a:solidFill>
+                <a:latin typeface="Arial" panose="020B0604020202020204" pitchFamily="34" charset="0"/>
+              </a:rPr>
+              <a:t>Journal of experimental Psychology: general</a:t>
+            </a:r>
+            <a:r>
+              <a:rPr lang="en-US" sz="2400" dirty="0">
+                <a:solidFill>
+                  <a:srgbClr val="222222"/>
+                </a:solidFill>
+                <a:latin typeface="Arial" panose="020B0604020202020204" pitchFamily="34" charset="0"/>
+              </a:rPr>
+              <a:t>, </a:t>
+            </a:r>
+            <a:r>
+              <a:rPr lang="en-US" sz="2400" i="1" dirty="0">
+                <a:solidFill>
+                  <a:srgbClr val="222222"/>
+                </a:solidFill>
+                <a:latin typeface="Arial" panose="020B0604020202020204" pitchFamily="34" charset="0"/>
+              </a:rPr>
+              <a:t>104</a:t>
+            </a:r>
+            <a:r>
+              <a:rPr lang="en-US" sz="2400" dirty="0">
+                <a:solidFill>
+                  <a:srgbClr val="222222"/>
+                </a:solidFill>
+                <a:latin typeface="Arial" panose="020B0604020202020204" pitchFamily="34" charset="0"/>
+              </a:rPr>
+              <a:t>(3), 268.</a:t>
+            </a:r>
+          </a:p>
+          <a:p>
+            <a:pPr lvl="1"/>
+            <a:endParaRPr lang="en-US" dirty="0"/>
+          </a:p>
+          <a:p>
+            <a:pPr lvl="1"/>
+            <a:endParaRPr lang="en-US" dirty="0"/>
+          </a:p>
+        </p:txBody>
+      </p:sp>
+    </p:spTree>
+    <p:extLst>
+      <p:ext uri="{BB962C8B-B14F-4D97-AF65-F5344CB8AC3E}">
+        <p14:creationId xmlns:p14="http://schemas.microsoft.com/office/powerpoint/2010/main" val="659523449"/>
+      </p:ext>
+    </p:extLst>
+  </p:cSld>
+  <p:clrMapOvr>
+    <a:masterClrMapping/>
+  </p:clrMapOvr>
+</p:sld>
+</file>
+
+<file path=ppt/slides/slide18.xml><?xml version="1.0" encoding="utf-8"?>
+<p:sld xmlns:a="http://schemas.openxmlformats.org/drawingml/2006/main" xmlns:r="http://schemas.openxmlformats.org/officeDocument/2006/relationships" xmlns:p="http://schemas.openxmlformats.org/presentationml/2006/main">
+  <p:cSld>
+    <p:spTree>
+      <p:nvGrpSpPr>
+        <p:cNvPr id="1" name=""/>
+        <p:cNvGrpSpPr/>
+        <p:nvPr/>
+      </p:nvGrpSpPr>
+      <p:grpSpPr>
+        <a:xfrm>
+          <a:off x="0" y="0"/>
+          <a:ext cx="0" cy="0"/>
+          <a:chOff x="0" y="0"/>
+          <a:chExt cx="0" cy="0"/>
+        </a:xfrm>
+      </p:grpSpPr>
+      <p:sp>
+        <p:nvSpPr>
+          <p:cNvPr id="2" name="Title 1">
+            <a:extLst>
+              <a:ext uri="{FF2B5EF4-FFF2-40B4-BE49-F238E27FC236}">
+                <a16:creationId xmlns:a16="http://schemas.microsoft.com/office/drawing/2014/main" id="{D381DC33-78A1-4865-83C2-BF38C9DE1F1D}"/>
+              </a:ext>
+            </a:extLst>
+          </p:cNvPr>
+          <p:cNvSpPr>
+            <a:spLocks noGrp="1"/>
+          </p:cNvSpPr>
+          <p:nvPr>
+            <p:ph type="title"/>
+          </p:nvPr>
+        </p:nvSpPr>
+        <p:spPr/>
+        <p:txBody>
+          <a:bodyPr/>
+          <a:lstStyle/>
+          <a:p>
+            <a:r>
+              <a:rPr lang="en-US" dirty="0"/>
+              <a:t>Theory: “Deep” Encoding</a:t>
+            </a:r>
+          </a:p>
+        </p:txBody>
+      </p:sp>
+      <p:sp>
+        <p:nvSpPr>
+          <p:cNvPr id="3" name="Content Placeholder 2">
+            <a:extLst>
+              <a:ext uri="{FF2B5EF4-FFF2-40B4-BE49-F238E27FC236}">
+                <a16:creationId xmlns:a16="http://schemas.microsoft.com/office/drawing/2014/main" id="{F21CE555-A17C-49DC-9B43-DE4B133F59E6}"/>
+              </a:ext>
+            </a:extLst>
+          </p:cNvPr>
+          <p:cNvSpPr>
+            <a:spLocks noGrp="1"/>
+          </p:cNvSpPr>
+          <p:nvPr>
+            <p:ph idx="1"/>
+          </p:nvPr>
+        </p:nvSpPr>
+        <p:spPr/>
+        <p:txBody>
+          <a:bodyPr/>
+          <a:lstStyle/>
+          <a:p>
+            <a:r>
+              <a:rPr lang="en-US" dirty="0"/>
+              <a:t>Hypothesis</a:t>
+            </a:r>
+          </a:p>
+          <a:p>
+            <a:pPr lvl="1"/>
+            <a:r>
+              <a:rPr lang="en-US" dirty="0"/>
+              <a:t>What is it?</a:t>
+            </a:r>
+          </a:p>
+          <a:p>
+            <a:pPr lvl="1"/>
+            <a:r>
+              <a:rPr lang="en-US" dirty="0"/>
+              <a:t>What isn’t it?</a:t>
+            </a:r>
+          </a:p>
+          <a:p>
+            <a:r>
+              <a:rPr lang="en-US" dirty="0"/>
+              <a:t>Mechanism </a:t>
+            </a:r>
+          </a:p>
+          <a:p>
+            <a:pPr lvl="1"/>
+            <a:r>
+              <a:rPr lang="en-US" dirty="0"/>
+              <a:t>Inferred</a:t>
+            </a:r>
+          </a:p>
+          <a:p>
+            <a:r>
+              <a:rPr lang="en-US" dirty="0"/>
+              <a:t>Specific Procedures</a:t>
+            </a:r>
+          </a:p>
+          <a:p>
+            <a:pPr lvl="1"/>
+            <a:r>
+              <a:rPr lang="en-US" dirty="0"/>
+              <a:t>Used in studies to test</a:t>
+            </a:r>
+          </a:p>
+          <a:p>
+            <a:pPr lvl="1"/>
+            <a:r>
+              <a:rPr lang="en-US" dirty="0"/>
+              <a:t>Combination of testing operational definitions and underlying theory</a:t>
+            </a:r>
+          </a:p>
+          <a:p>
+            <a:pPr lvl="1"/>
+            <a:r>
+              <a:rPr lang="en-US" dirty="0"/>
+              <a:t>What if our study hadn’t worked?</a:t>
+            </a:r>
+          </a:p>
+          <a:p>
+            <a:endParaRPr lang="en-US" b="1" dirty="0"/>
+          </a:p>
+        </p:txBody>
+      </p:sp>
+    </p:spTree>
+    <p:extLst>
+      <p:ext uri="{BB962C8B-B14F-4D97-AF65-F5344CB8AC3E}">
+        <p14:creationId xmlns:p14="http://schemas.microsoft.com/office/powerpoint/2010/main" val="1852085813"/>
+      </p:ext>
+    </p:extLst>
+  </p:cSld>
+  <p:clrMapOvr>
+    <a:masterClrMapping/>
+  </p:clrMapOvr>
+</p:sld>
+</file>
+
+<file path=ppt/slides/slide19.xml><?xml version="1.0" encoding="utf-8"?>
+<p:sld xmlns:a="http://schemas.openxmlformats.org/drawingml/2006/main" xmlns:r="http://schemas.openxmlformats.org/officeDocument/2006/relationships" xmlns:p="http://schemas.openxmlformats.org/presentationml/2006/main">
+  <p:cSld>
+    <p:spTree>
+      <p:nvGrpSpPr>
+        <p:cNvPr id="1" name=""/>
+        <p:cNvGrpSpPr/>
+        <p:nvPr/>
+      </p:nvGrpSpPr>
+      <p:grpSpPr>
+        <a:xfrm>
+          <a:off x="0" y="0"/>
+          <a:ext cx="0" cy="0"/>
+          <a:chOff x="0" y="0"/>
+          <a:chExt cx="0" cy="0"/>
+        </a:xfrm>
+      </p:grpSpPr>
+      <p:sp>
+        <p:nvSpPr>
+          <p:cNvPr id="2" name="Title 1">
+            <a:extLst>
+              <a:ext uri="{FF2B5EF4-FFF2-40B4-BE49-F238E27FC236}">
+                <a16:creationId xmlns:a16="http://schemas.microsoft.com/office/drawing/2014/main" id="{3261AE54-AB01-4304-8C7F-B4F517A765E0}"/>
+              </a:ext>
+            </a:extLst>
+          </p:cNvPr>
+          <p:cNvSpPr>
+            <a:spLocks noGrp="1"/>
+          </p:cNvSpPr>
+          <p:nvPr>
+            <p:ph type="title"/>
+          </p:nvPr>
+        </p:nvSpPr>
+        <p:spPr/>
+        <p:txBody>
+          <a:bodyPr/>
+          <a:lstStyle/>
+          <a:p>
+            <a:r>
+              <a:rPr lang="en-US" dirty="0"/>
+              <a:t>Research Context</a:t>
+            </a:r>
+          </a:p>
+        </p:txBody>
+      </p:sp>
+      <p:sp>
+        <p:nvSpPr>
+          <p:cNvPr id="3" name="Content Placeholder 2">
+            <a:extLst>
+              <a:ext uri="{FF2B5EF4-FFF2-40B4-BE49-F238E27FC236}">
+                <a16:creationId xmlns:a16="http://schemas.microsoft.com/office/drawing/2014/main" id="{74D2B576-9DBE-422D-B4A0-EB63A5E88C6B}"/>
+              </a:ext>
+            </a:extLst>
+          </p:cNvPr>
+          <p:cNvSpPr>
+            <a:spLocks noGrp="1"/>
+          </p:cNvSpPr>
+          <p:nvPr>
+            <p:ph idx="1"/>
+          </p:nvPr>
+        </p:nvSpPr>
+        <p:spPr/>
+        <p:txBody>
+          <a:bodyPr/>
+          <a:lstStyle/>
+          <a:p>
+            <a:r>
+              <a:rPr lang="en-US" dirty="0"/>
+              <a:t>Building on existing work</a:t>
+            </a:r>
+          </a:p>
+          <a:p>
+            <a:pPr lvl="1"/>
+            <a:r>
+              <a:rPr lang="en-US" dirty="0"/>
+              <a:t>Strengthens confidence in conclusions</a:t>
+            </a:r>
+          </a:p>
+          <a:p>
+            <a:pPr lvl="1"/>
+            <a:r>
+              <a:rPr lang="en-US" dirty="0"/>
+              <a:t>Very briefly review theory/mechanism</a:t>
+            </a:r>
+          </a:p>
+          <a:p>
+            <a:pPr lvl="1"/>
+            <a:endParaRPr lang="en-US" dirty="0"/>
+          </a:p>
+          <a:p>
+            <a:r>
+              <a:rPr lang="en-US" dirty="0"/>
+              <a:t>Adding something new</a:t>
+            </a:r>
+          </a:p>
+          <a:p>
+            <a:pPr lvl="1"/>
+            <a:r>
+              <a:rPr lang="en-US" dirty="0"/>
+              <a:t>What is new about our study?</a:t>
+            </a:r>
+          </a:p>
+          <a:p>
+            <a:pPr lvl="1"/>
+            <a:r>
+              <a:rPr lang="en-US" dirty="0"/>
+              <a:t>Motivate the current study to add to prior work</a:t>
+            </a:r>
+          </a:p>
+          <a:p>
+            <a:pPr lvl="1"/>
+            <a:endParaRPr lang="en-US" dirty="0"/>
+          </a:p>
+          <a:p>
+            <a:endParaRPr lang="en-US" dirty="0"/>
+          </a:p>
+          <a:p>
+            <a:endParaRPr lang="en-US" dirty="0"/>
+          </a:p>
+        </p:txBody>
+      </p:sp>
+    </p:spTree>
+    <p:extLst>
+      <p:ext uri="{BB962C8B-B14F-4D97-AF65-F5344CB8AC3E}">
+        <p14:creationId xmlns:p14="http://schemas.microsoft.com/office/powerpoint/2010/main" val="3608768121"/>
       </p:ext>
     </p:extLst>
   </p:cSld>
@@ -4085,6 +5814,513 @@
     <p:extLst>
       <p:ext uri="{BB962C8B-B14F-4D97-AF65-F5344CB8AC3E}">
         <p14:creationId xmlns:p14="http://schemas.microsoft.com/office/powerpoint/2010/main" val="835793293"/>
+      </p:ext>
+    </p:extLst>
+  </p:cSld>
+  <p:clrMapOvr>
+    <a:masterClrMapping/>
+  </p:clrMapOvr>
+</p:sld>
+</file>
+
+<file path=ppt/slides/slide20.xml><?xml version="1.0" encoding="utf-8"?>
+<p:sld xmlns:a="http://schemas.openxmlformats.org/drawingml/2006/main" xmlns:r="http://schemas.openxmlformats.org/officeDocument/2006/relationships" xmlns:p="http://schemas.openxmlformats.org/presentationml/2006/main">
+  <p:cSld>
+    <p:spTree>
+      <p:nvGrpSpPr>
+        <p:cNvPr id="1" name=""/>
+        <p:cNvGrpSpPr/>
+        <p:nvPr/>
+      </p:nvGrpSpPr>
+      <p:grpSpPr>
+        <a:xfrm>
+          <a:off x="0" y="0"/>
+          <a:ext cx="0" cy="0"/>
+          <a:chOff x="0" y="0"/>
+          <a:chExt cx="0" cy="0"/>
+        </a:xfrm>
+      </p:grpSpPr>
+      <p:sp>
+        <p:nvSpPr>
+          <p:cNvPr id="2" name="Title 1">
+            <a:extLst>
+              <a:ext uri="{FF2B5EF4-FFF2-40B4-BE49-F238E27FC236}">
+                <a16:creationId xmlns:a16="http://schemas.microsoft.com/office/drawing/2014/main" id="{7FE8C430-C521-F269-5711-20F2594355C2}"/>
+              </a:ext>
+            </a:extLst>
+          </p:cNvPr>
+          <p:cNvSpPr>
+            <a:spLocks noGrp="1"/>
+          </p:cNvSpPr>
+          <p:nvPr>
+            <p:ph type="title"/>
+          </p:nvPr>
+        </p:nvSpPr>
+        <p:spPr/>
+        <p:txBody>
+          <a:bodyPr/>
+          <a:lstStyle/>
+          <a:p>
+            <a:r>
+              <a:rPr lang="en-US" dirty="0"/>
+              <a:t>Experiment 1 Methods information</a:t>
+            </a:r>
+          </a:p>
+        </p:txBody>
+      </p:sp>
+      <p:sp>
+        <p:nvSpPr>
+          <p:cNvPr id="3" name="Content Placeholder 2">
+            <a:extLst>
+              <a:ext uri="{FF2B5EF4-FFF2-40B4-BE49-F238E27FC236}">
+                <a16:creationId xmlns:a16="http://schemas.microsoft.com/office/drawing/2014/main" id="{13A4C378-1140-4C2B-CE55-92AD5727448E}"/>
+              </a:ext>
+            </a:extLst>
+          </p:cNvPr>
+          <p:cNvSpPr>
+            <a:spLocks noGrp="1"/>
+          </p:cNvSpPr>
+          <p:nvPr>
+            <p:ph idx="1"/>
+          </p:nvPr>
+        </p:nvSpPr>
+        <p:spPr/>
+        <p:txBody>
+          <a:bodyPr>
+            <a:normAutofit fontScale="77500" lnSpcReduction="20000"/>
+          </a:bodyPr>
+          <a:lstStyle/>
+          <a:p>
+            <a:r>
+              <a:rPr lang="en-US" dirty="0"/>
+              <a:t>Participants</a:t>
+            </a:r>
+          </a:p>
+          <a:p>
+            <a:pPr lvl="1"/>
+            <a:r>
+              <a:rPr lang="en-US" dirty="0"/>
+              <a:t>48 students from Research Methods classes</a:t>
+            </a:r>
+          </a:p>
+          <a:p>
+            <a:endParaRPr lang="en-US" dirty="0"/>
+          </a:p>
+          <a:p>
+            <a:r>
+              <a:rPr lang="en-US" dirty="0"/>
+              <a:t>Materials</a:t>
+            </a:r>
+          </a:p>
+          <a:p>
+            <a:pPr lvl="1"/>
+            <a:r>
+              <a:rPr lang="en-US" sz="2800" dirty="0"/>
+              <a:t>A set of 60 words was used for the study and test stimuli.  Words were selected to have a written frequency of 30-80 per million and to be 5-8 letters in length.</a:t>
+            </a:r>
+          </a:p>
+          <a:p>
+            <a:pPr lvl="1"/>
+            <a:endParaRPr lang="en-US" dirty="0"/>
+          </a:p>
+          <a:p>
+            <a:r>
+              <a:rPr lang="en-US" dirty="0"/>
+              <a:t>Procedure</a:t>
+            </a:r>
+          </a:p>
+          <a:p>
+            <a:pPr lvl="1"/>
+            <a:r>
+              <a:rPr lang="en-US" dirty="0"/>
+              <a:t>4s time per word to rate (automatic advance)</a:t>
+            </a:r>
+          </a:p>
+          <a:p>
+            <a:pPr lvl="2"/>
+            <a:r>
+              <a:rPr lang="en-US" dirty="0"/>
+              <a:t>“For each word, rate how much you like the word on a 1 to 5 scale. 5 means you like the word very much and 1 means you dislike the word very much. Indicate your rating with keyboard or mouse.”</a:t>
+            </a:r>
+          </a:p>
+          <a:p>
+            <a:pPr lvl="2"/>
+            <a:r>
+              <a:rPr lang="en-US" dirty="0"/>
+              <a:t>“For each word, count the number of vowels in each word. Enter the number with keyboard or mouse"</a:t>
+            </a:r>
+          </a:p>
+          <a:p>
+            <a:pPr lvl="1"/>
+            <a:r>
+              <a:rPr lang="en-US" dirty="0"/>
+              <a:t>3m delay period completing trivia questions</a:t>
+            </a:r>
+          </a:p>
+          <a:p>
+            <a:pPr lvl="1"/>
+            <a:r>
+              <a:rPr lang="en-US" dirty="0"/>
+              <a:t>60 item post-test, 30 old, 30 new</a:t>
+            </a:r>
+          </a:p>
+          <a:p>
+            <a:endParaRPr lang="en-US" dirty="0"/>
+          </a:p>
+        </p:txBody>
+      </p:sp>
+    </p:spTree>
+    <p:extLst>
+      <p:ext uri="{BB962C8B-B14F-4D97-AF65-F5344CB8AC3E}">
+        <p14:creationId xmlns:p14="http://schemas.microsoft.com/office/powerpoint/2010/main" val="1879103408"/>
+      </p:ext>
+    </p:extLst>
+  </p:cSld>
+  <p:clrMapOvr>
+    <a:masterClrMapping/>
+  </p:clrMapOvr>
+</p:sld>
+</file>
+
+<file path=ppt/slides/slide21.xml><?xml version="1.0" encoding="utf-8"?>
+<p:sld xmlns:a="http://schemas.openxmlformats.org/drawingml/2006/main" xmlns:r="http://schemas.openxmlformats.org/officeDocument/2006/relationships" xmlns:p="http://schemas.openxmlformats.org/presentationml/2006/main">
+  <p:cSld>
+    <p:spTree>
+      <p:nvGrpSpPr>
+        <p:cNvPr id="1" name=""/>
+        <p:cNvGrpSpPr/>
+        <p:nvPr/>
+      </p:nvGrpSpPr>
+      <p:grpSpPr>
+        <a:xfrm>
+          <a:off x="0" y="0"/>
+          <a:ext cx="0" cy="0"/>
+          <a:chOff x="0" y="0"/>
+          <a:chExt cx="0" cy="0"/>
+        </a:xfrm>
+      </p:grpSpPr>
+      <p:sp>
+        <p:nvSpPr>
+          <p:cNvPr id="2" name="Title 1">
+            <a:extLst>
+              <a:ext uri="{FF2B5EF4-FFF2-40B4-BE49-F238E27FC236}">
+                <a16:creationId xmlns:a16="http://schemas.microsoft.com/office/drawing/2014/main" id="{D70839C2-8D3D-4CEF-A0F5-3DF29842C55E}"/>
+              </a:ext>
+            </a:extLst>
+          </p:cNvPr>
+          <p:cNvSpPr>
+            <a:spLocks noGrp="1"/>
+          </p:cNvSpPr>
+          <p:nvPr>
+            <p:ph type="title"/>
+          </p:nvPr>
+        </p:nvSpPr>
+        <p:spPr/>
+        <p:txBody>
+          <a:bodyPr/>
+          <a:lstStyle/>
+          <a:p>
+            <a:r>
+              <a:rPr lang="en-US" dirty="0"/>
+              <a:t>Results</a:t>
+            </a:r>
+          </a:p>
+        </p:txBody>
+      </p:sp>
+      <p:sp>
+        <p:nvSpPr>
+          <p:cNvPr id="3" name="Content Placeholder 2">
+            <a:extLst>
+              <a:ext uri="{FF2B5EF4-FFF2-40B4-BE49-F238E27FC236}">
+                <a16:creationId xmlns:a16="http://schemas.microsoft.com/office/drawing/2014/main" id="{69FD84FA-E4AA-4AE3-8E94-BB6DE2F672CA}"/>
+              </a:ext>
+            </a:extLst>
+          </p:cNvPr>
+          <p:cNvSpPr>
+            <a:spLocks noGrp="1"/>
+          </p:cNvSpPr>
+          <p:nvPr>
+            <p:ph idx="1"/>
+          </p:nvPr>
+        </p:nvSpPr>
+        <p:spPr/>
+        <p:txBody>
+          <a:bodyPr/>
+          <a:lstStyle/>
+          <a:p>
+            <a:r>
+              <a:rPr lang="en-US" dirty="0"/>
+              <a:t>Include all of:</a:t>
+            </a:r>
+          </a:p>
+          <a:p>
+            <a:pPr lvl="1"/>
+            <a:r>
+              <a:rPr lang="en-US" dirty="0"/>
+              <a:t>Descriptive statistics: mean, SD, SE</a:t>
+            </a:r>
+          </a:p>
+          <a:p>
+            <a:pPr lvl="1"/>
+            <a:r>
+              <a:rPr lang="en-US" dirty="0"/>
+              <a:t>Inferential statistics: t-test in APA format</a:t>
+            </a:r>
+          </a:p>
+          <a:p>
+            <a:pPr lvl="1"/>
+            <a:r>
+              <a:rPr lang="en-US" dirty="0"/>
+              <a:t>Figure &amp; caption</a:t>
+            </a:r>
+          </a:p>
+          <a:p>
+            <a:pPr lvl="1"/>
+            <a:endParaRPr lang="en-US" dirty="0"/>
+          </a:p>
+          <a:p>
+            <a:r>
+              <a:rPr lang="en-US" dirty="0"/>
+              <a:t>As discussed in class, will be very compact</a:t>
+            </a:r>
+          </a:p>
+        </p:txBody>
+      </p:sp>
+    </p:spTree>
+    <p:extLst>
+      <p:ext uri="{BB962C8B-B14F-4D97-AF65-F5344CB8AC3E}">
+        <p14:creationId xmlns:p14="http://schemas.microsoft.com/office/powerpoint/2010/main" val="1320290893"/>
+      </p:ext>
+    </p:extLst>
+  </p:cSld>
+  <p:clrMapOvr>
+    <a:masterClrMapping/>
+  </p:clrMapOvr>
+</p:sld>
+</file>
+
+<file path=ppt/slides/slide22.xml><?xml version="1.0" encoding="utf-8"?>
+<p:sld xmlns:a="http://schemas.openxmlformats.org/drawingml/2006/main" xmlns:r="http://schemas.openxmlformats.org/officeDocument/2006/relationships" xmlns:p="http://schemas.openxmlformats.org/presentationml/2006/main">
+  <p:cSld>
+    <p:spTree>
+      <p:nvGrpSpPr>
+        <p:cNvPr id="1" name=""/>
+        <p:cNvGrpSpPr/>
+        <p:nvPr/>
+      </p:nvGrpSpPr>
+      <p:grpSpPr>
+        <a:xfrm>
+          <a:off x="0" y="0"/>
+          <a:ext cx="0" cy="0"/>
+          <a:chOff x="0" y="0"/>
+          <a:chExt cx="0" cy="0"/>
+        </a:xfrm>
+      </p:grpSpPr>
+      <p:sp>
+        <p:nvSpPr>
+          <p:cNvPr id="2" name="Title 1">
+            <a:extLst>
+              <a:ext uri="{FF2B5EF4-FFF2-40B4-BE49-F238E27FC236}">
+                <a16:creationId xmlns:a16="http://schemas.microsoft.com/office/drawing/2014/main" id="{D3D4E510-5E66-C60F-A70A-DE89CF02FBD9}"/>
+              </a:ext>
+            </a:extLst>
+          </p:cNvPr>
+          <p:cNvSpPr>
+            <a:spLocks noGrp="1"/>
+          </p:cNvSpPr>
+          <p:nvPr>
+            <p:ph type="title"/>
+          </p:nvPr>
+        </p:nvSpPr>
+        <p:spPr/>
+        <p:txBody>
+          <a:bodyPr/>
+          <a:lstStyle/>
+          <a:p>
+            <a:r>
+              <a:rPr lang="en-US" dirty="0"/>
+              <a:t>First writeup</a:t>
+            </a:r>
+          </a:p>
+        </p:txBody>
+      </p:sp>
+      <p:sp>
+        <p:nvSpPr>
+          <p:cNvPr id="3" name="Content Placeholder 2">
+            <a:extLst>
+              <a:ext uri="{FF2B5EF4-FFF2-40B4-BE49-F238E27FC236}">
+                <a16:creationId xmlns:a16="http://schemas.microsoft.com/office/drawing/2014/main" id="{C083FC1E-CB4A-4CE9-74C8-0371F595854A}"/>
+              </a:ext>
+            </a:extLst>
+          </p:cNvPr>
+          <p:cNvSpPr>
+            <a:spLocks noGrp="1"/>
+          </p:cNvSpPr>
+          <p:nvPr>
+            <p:ph idx="1"/>
+          </p:nvPr>
+        </p:nvSpPr>
+        <p:spPr/>
+        <p:txBody>
+          <a:bodyPr/>
+          <a:lstStyle/>
+          <a:p>
+            <a:r>
+              <a:rPr lang="en-US" dirty="0"/>
+              <a:t>Include title page, abstract</a:t>
+            </a:r>
+          </a:p>
+          <a:p>
+            <a:r>
+              <a:rPr lang="en-US" dirty="0"/>
+              <a:t>Introduction: 1-2 paragraphs citing prior work, noting what is new about this study</a:t>
+            </a:r>
+          </a:p>
+          <a:p>
+            <a:r>
+              <a:rPr lang="en-US" dirty="0"/>
+              <a:t>Methods: full detail</a:t>
+            </a:r>
+          </a:p>
+          <a:p>
+            <a:r>
+              <a:rPr lang="en-US" dirty="0"/>
+              <a:t>Results: full detail including Figure and caption</a:t>
+            </a:r>
+          </a:p>
+          <a:p>
+            <a:r>
+              <a:rPr lang="en-US" dirty="0"/>
+              <a:t>Discussion: 1-2 paragraphs summarizing conclusion, note limitations</a:t>
+            </a:r>
+          </a:p>
+          <a:p>
+            <a:pPr lvl="1"/>
+            <a:r>
+              <a:rPr lang="en-US" dirty="0"/>
+              <a:t>Finish on strong positive statement!</a:t>
+            </a:r>
+          </a:p>
+          <a:p>
+            <a:r>
+              <a:rPr lang="en-US" dirty="0"/>
+              <a:t>References: </a:t>
+            </a:r>
+          </a:p>
+        </p:txBody>
+      </p:sp>
+    </p:spTree>
+    <p:extLst>
+      <p:ext uri="{BB962C8B-B14F-4D97-AF65-F5344CB8AC3E}">
+        <p14:creationId xmlns:p14="http://schemas.microsoft.com/office/powerpoint/2010/main" val="10674495"/>
+      </p:ext>
+    </p:extLst>
+  </p:cSld>
+  <p:clrMapOvr>
+    <a:masterClrMapping/>
+  </p:clrMapOvr>
+</p:sld>
+</file>
+
+<file path=ppt/slides/slide23.xml><?xml version="1.0" encoding="utf-8"?>
+<p:sld xmlns:a="http://schemas.openxmlformats.org/drawingml/2006/main" xmlns:r="http://schemas.openxmlformats.org/officeDocument/2006/relationships" xmlns:p="http://schemas.openxmlformats.org/presentationml/2006/main">
+  <p:cSld>
+    <p:spTree>
+      <p:nvGrpSpPr>
+        <p:cNvPr id="1" name=""/>
+        <p:cNvGrpSpPr/>
+        <p:nvPr/>
+      </p:nvGrpSpPr>
+      <p:grpSpPr>
+        <a:xfrm>
+          <a:off x="0" y="0"/>
+          <a:ext cx="0" cy="0"/>
+          <a:chOff x="0" y="0"/>
+          <a:chExt cx="0" cy="0"/>
+        </a:xfrm>
+      </p:grpSpPr>
+      <p:sp>
+        <p:nvSpPr>
+          <p:cNvPr id="2" name="Title 1">
+            <a:extLst>
+              <a:ext uri="{FF2B5EF4-FFF2-40B4-BE49-F238E27FC236}">
+                <a16:creationId xmlns:a16="http://schemas.microsoft.com/office/drawing/2014/main" id="{3EE88659-EBCC-CFE6-6A52-82B2AC268DB8}"/>
+              </a:ext>
+            </a:extLst>
+          </p:cNvPr>
+          <p:cNvSpPr>
+            <a:spLocks noGrp="1"/>
+          </p:cNvSpPr>
+          <p:nvPr>
+            <p:ph type="title"/>
+          </p:nvPr>
+        </p:nvSpPr>
+        <p:spPr/>
+        <p:txBody>
+          <a:bodyPr/>
+          <a:lstStyle/>
+          <a:p>
+            <a:r>
+              <a:rPr lang="en-US" dirty="0"/>
+              <a:t>For </a:t>
+            </a:r>
+            <a:r>
+              <a:rPr lang="en-US"/>
+              <a:t>Fri Jan 19</a:t>
+            </a:r>
+            <a:endParaRPr lang="en-US" dirty="0"/>
+          </a:p>
+        </p:txBody>
+      </p:sp>
+      <p:sp>
+        <p:nvSpPr>
+          <p:cNvPr id="3" name="Content Placeholder 2">
+            <a:extLst>
+              <a:ext uri="{FF2B5EF4-FFF2-40B4-BE49-F238E27FC236}">
+                <a16:creationId xmlns:a16="http://schemas.microsoft.com/office/drawing/2014/main" id="{A01675A3-863E-7B1B-F691-2E6AF377EF17}"/>
+              </a:ext>
+            </a:extLst>
+          </p:cNvPr>
+          <p:cNvSpPr>
+            <a:spLocks noGrp="1"/>
+          </p:cNvSpPr>
+          <p:nvPr>
+            <p:ph idx="1"/>
+          </p:nvPr>
+        </p:nvSpPr>
+        <p:spPr/>
+        <p:txBody>
+          <a:bodyPr/>
+          <a:lstStyle/>
+          <a:p>
+            <a:r>
+              <a:rPr lang="en-US" dirty="0"/>
+              <a:t>For class: Chapter 7, within-participants design</a:t>
+            </a:r>
+          </a:p>
+          <a:p>
+            <a:pPr lvl="1"/>
+            <a:r>
+              <a:rPr lang="en-US" dirty="0"/>
+              <a:t>Shorter chapter, very brief assignment</a:t>
+            </a:r>
+          </a:p>
+          <a:p>
+            <a:pPr lvl="1"/>
+            <a:endParaRPr lang="en-US" dirty="0"/>
+          </a:p>
+          <a:p>
+            <a:r>
+              <a:rPr lang="en-US" dirty="0"/>
+              <a:t>By end of day: First writeup of in-class Experiment 1</a:t>
+            </a:r>
+          </a:p>
+        </p:txBody>
+      </p:sp>
+    </p:spTree>
+    <p:extLst>
+      <p:ext uri="{BB962C8B-B14F-4D97-AF65-F5344CB8AC3E}">
+        <p14:creationId xmlns:p14="http://schemas.microsoft.com/office/powerpoint/2010/main" val="3778900609"/>
       </p:ext>
     </p:extLst>
   </p:cSld>
